--- a/docs/Boolean&VS model.pptx
+++ b/docs/Boolean&VS model.pptx
@@ -5,7 +5,7 @@
     <p:sldMasterId id="2147483648" r:id="rId1"/>
   </p:sldMasterIdLst>
   <p:notesMasterIdLst>
-    <p:notesMasterId r:id="rId37"/>
+    <p:notesMasterId r:id="rId39"/>
   </p:notesMasterIdLst>
   <p:sldIdLst>
     <p:sldId id="256" r:id="rId2"/>
@@ -27,22 +27,24 @@
     <p:sldId id="272" r:id="rId18"/>
     <p:sldId id="273" r:id="rId19"/>
     <p:sldId id="274" r:id="rId20"/>
-    <p:sldId id="275" r:id="rId21"/>
-    <p:sldId id="276" r:id="rId22"/>
-    <p:sldId id="280" r:id="rId23"/>
-    <p:sldId id="277" r:id="rId24"/>
-    <p:sldId id="281" r:id="rId25"/>
-    <p:sldId id="282" r:id="rId26"/>
-    <p:sldId id="278" r:id="rId27"/>
-    <p:sldId id="283" r:id="rId28"/>
-    <p:sldId id="284" r:id="rId29"/>
-    <p:sldId id="285" r:id="rId30"/>
-    <p:sldId id="286" r:id="rId31"/>
-    <p:sldId id="287" r:id="rId32"/>
-    <p:sldId id="292" r:id="rId33"/>
-    <p:sldId id="290" r:id="rId34"/>
-    <p:sldId id="291" r:id="rId35"/>
-    <p:sldId id="289" r:id="rId36"/>
+    <p:sldId id="295" r:id="rId21"/>
+    <p:sldId id="275" r:id="rId22"/>
+    <p:sldId id="276" r:id="rId23"/>
+    <p:sldId id="280" r:id="rId24"/>
+    <p:sldId id="277" r:id="rId25"/>
+    <p:sldId id="281" r:id="rId26"/>
+    <p:sldId id="282" r:id="rId27"/>
+    <p:sldId id="278" r:id="rId28"/>
+    <p:sldId id="283" r:id="rId29"/>
+    <p:sldId id="284" r:id="rId30"/>
+    <p:sldId id="285" r:id="rId31"/>
+    <p:sldId id="286" r:id="rId32"/>
+    <p:sldId id="287" r:id="rId33"/>
+    <p:sldId id="292" r:id="rId34"/>
+    <p:sldId id="290" r:id="rId35"/>
+    <p:sldId id="291" r:id="rId36"/>
+    <p:sldId id="289" r:id="rId37"/>
+    <p:sldId id="296" r:id="rId38"/>
   </p:sldIdLst>
   <p:sldSz cx="9144000" cy="6858000" type="screen4x3"/>
   <p:notesSz cx="6858000" cy="9144000"/>
@@ -242,7 +244,7 @@
           <a:p>
             <a:fld id="{2AF2F049-48AD-44DF-A836-28AA8AE07C7D}" type="datetimeFigureOut">
               <a:rPr lang="en-US" smtClean="0"/>
-              <a:t>9/8/2014</a:t>
+              <a:t>9/13/2015</a:t>
             </a:fld>
             <a:endParaRPr lang="en-US"/>
           </a:p>
@@ -575,7 +577,91 @@
           <a:p>
             <a:fld id="{5301135E-B23C-467D-866E-5E27626D91E8}" type="slidenum">
               <a:rPr lang="en-US" smtClean="0"/>
-              <a:t>35</a:t>
+              <a:t>2</a:t>
+            </a:fld>
+            <a:endParaRPr lang="en-US"/>
+          </a:p>
+        </p:txBody>
+      </p:sp>
+    </p:spTree>
+    <p:extLst>
+      <p:ext uri="{BB962C8B-B14F-4D97-AF65-F5344CB8AC3E}">
+        <p14:creationId xmlns:p14="http://schemas.microsoft.com/office/powerpoint/2010/main" val="3771628063"/>
+      </p:ext>
+    </p:extLst>
+  </p:cSld>
+  <p:clrMapOvr>
+    <a:masterClrMapping/>
+  </p:clrMapOvr>
+</p:notes>
+</file>
+
+<file path=ppt/notesSlides/notesSlide2.xml><?xml version="1.0" encoding="utf-8"?>
+<p:notes xmlns:a="http://schemas.openxmlformats.org/drawingml/2006/main" xmlns:r="http://schemas.openxmlformats.org/officeDocument/2006/relationships" xmlns:p="http://schemas.openxmlformats.org/presentationml/2006/main">
+  <p:cSld>
+    <p:spTree>
+      <p:nvGrpSpPr>
+        <p:cNvPr id="1" name=""/>
+        <p:cNvGrpSpPr/>
+        <p:nvPr/>
+      </p:nvGrpSpPr>
+      <p:grpSpPr>
+        <a:xfrm>
+          <a:off x="0" y="0"/>
+          <a:ext cx="0" cy="0"/>
+          <a:chOff x="0" y="0"/>
+          <a:chExt cx="0" cy="0"/>
+        </a:xfrm>
+      </p:grpSpPr>
+      <p:sp>
+        <p:nvSpPr>
+          <p:cNvPr id="2" name="Slide Image Placeholder 1"/>
+          <p:cNvSpPr>
+            <a:spLocks noGrp="1" noRot="1" noChangeAspect="1"/>
+          </p:cNvSpPr>
+          <p:nvPr>
+            <p:ph type="sldImg"/>
+          </p:nvPr>
+        </p:nvSpPr>
+        <p:spPr/>
+      </p:sp>
+      <p:sp>
+        <p:nvSpPr>
+          <p:cNvPr id="3" name="Notes Placeholder 2"/>
+          <p:cNvSpPr>
+            <a:spLocks noGrp="1"/>
+          </p:cNvSpPr>
+          <p:nvPr>
+            <p:ph type="body" idx="1"/>
+          </p:nvPr>
+        </p:nvSpPr>
+        <p:spPr/>
+        <p:txBody>
+          <a:bodyPr/>
+          <a:lstStyle/>
+          <a:p>
+            <a:endParaRPr lang="en-US"/>
+          </a:p>
+        </p:txBody>
+      </p:sp>
+      <p:sp>
+        <p:nvSpPr>
+          <p:cNvPr id="4" name="Slide Number Placeholder 3"/>
+          <p:cNvSpPr>
+            <a:spLocks noGrp="1"/>
+          </p:cNvSpPr>
+          <p:nvPr>
+            <p:ph type="sldNum" sz="quarter" idx="10"/>
+          </p:nvPr>
+        </p:nvSpPr>
+        <p:spPr/>
+        <p:txBody>
+          <a:bodyPr/>
+          <a:lstStyle/>
+          <a:p>
+            <a:fld id="{5301135E-B23C-467D-866E-5E27626D91E8}" type="slidenum">
+              <a:rPr lang="en-US" smtClean="0"/>
+              <a:t>36</a:t>
             </a:fld>
             <a:endParaRPr lang="en-US"/>
           </a:p>
@@ -798,7 +884,7 @@
           <a:p>
             <a:r>
               <a:rPr lang="en-US" smtClean="0"/>
-              <a:t>CS 6501: Information Retrieval</a:t>
+              <a:t>CS 4501: Information Retrieval</a:t>
             </a:r>
             <a:endParaRPr lang="en-US"/>
           </a:p>
@@ -972,7 +1058,7 @@
           <a:p>
             <a:r>
               <a:rPr lang="en-US" smtClean="0"/>
-              <a:t>CS 6501: Information Retrieval</a:t>
+              <a:t>CS 4501: Information Retrieval</a:t>
             </a:r>
             <a:endParaRPr lang="en-US"/>
           </a:p>
@@ -1156,7 +1242,7 @@
           <a:p>
             <a:r>
               <a:rPr lang="en-US" smtClean="0"/>
-              <a:t>CS 6501: Information Retrieval</a:t>
+              <a:t>CS 4501: Information Retrieval</a:t>
             </a:r>
             <a:endParaRPr lang="en-US"/>
           </a:p>
@@ -1330,7 +1416,7 @@
           <a:p>
             <a:r>
               <a:rPr lang="en-US" smtClean="0"/>
-              <a:t>CS 6501: Information Retrieval</a:t>
+              <a:t>CS 4501: Information Retrieval</a:t>
             </a:r>
             <a:endParaRPr lang="en-US"/>
           </a:p>
@@ -1580,7 +1666,7 @@
           <a:p>
             <a:r>
               <a:rPr lang="en-US" smtClean="0"/>
-              <a:t>CS 6501: Information Retrieval</a:t>
+              <a:t>CS 4501: Information Retrieval</a:t>
             </a:r>
             <a:endParaRPr lang="en-US"/>
           </a:p>
@@ -1872,7 +1958,7 @@
           <a:p>
             <a:r>
               <a:rPr lang="en-US" smtClean="0"/>
-              <a:t>CS 6501: Information Retrieval</a:t>
+              <a:t>CS 4501: Information Retrieval</a:t>
             </a:r>
             <a:endParaRPr lang="en-US"/>
           </a:p>
@@ -2298,7 +2384,7 @@
           <a:p>
             <a:r>
               <a:rPr lang="en-US" smtClean="0"/>
-              <a:t>CS 6501: Information Retrieval</a:t>
+              <a:t>CS 4501: Information Retrieval</a:t>
             </a:r>
             <a:endParaRPr lang="en-US"/>
           </a:p>
@@ -2420,7 +2506,7 @@
           <a:p>
             <a:r>
               <a:rPr lang="en-US" smtClean="0"/>
-              <a:t>CS 6501: Information Retrieval</a:t>
+              <a:t>CS 4501: Information Retrieval</a:t>
             </a:r>
             <a:endParaRPr lang="en-US"/>
           </a:p>
@@ -2519,7 +2605,7 @@
           <a:p>
             <a:r>
               <a:rPr lang="en-US" smtClean="0"/>
-              <a:t>CS 6501: Information Retrieval</a:t>
+              <a:t>CS 4501: Information Retrieval</a:t>
             </a:r>
             <a:endParaRPr lang="en-US"/>
           </a:p>
@@ -2800,7 +2886,7 @@
           <a:p>
             <a:r>
               <a:rPr lang="en-US" smtClean="0"/>
-              <a:t>CS 6501: Information Retrieval</a:t>
+              <a:t>CS 4501: Information Retrieval</a:t>
             </a:r>
             <a:endParaRPr lang="en-US"/>
           </a:p>
@@ -3057,7 +3143,7 @@
           <a:p>
             <a:r>
               <a:rPr lang="en-US" smtClean="0"/>
-              <a:t>CS 6501: Information Retrieval</a:t>
+              <a:t>CS 4501: Information Retrieval</a:t>
             </a:r>
             <a:endParaRPr lang="en-US"/>
           </a:p>
@@ -3292,7 +3378,7 @@
           <a:p>
             <a:r>
               <a:rPr lang="en-US" smtClean="0"/>
-              <a:t>CS 6501: Information Retrieval</a:t>
+              <a:t>CS 4501: Information Retrieval</a:t>
             </a:r>
             <a:endParaRPr lang="en-US"/>
           </a:p>
@@ -3766,15 +3852,7 @@
           <a:p>
             <a:r>
               <a:rPr lang="en-US" dirty="0" smtClean="0"/>
-              <a:t>Fill in </a:t>
-            </a:r>
-            <a:r>
-              <a:rPr lang="en-US" dirty="0" smtClean="0"/>
-              <a:t>magic numbers </a:t>
-            </a:r>
-            <a:r>
-              <a:rPr lang="en-US" dirty="0" smtClean="0"/>
-              <a:t>to describe the relation between documents and words</a:t>
+              <a:t>Fill in magic numbers to describe the relation between documents and words</a:t>
             </a:r>
             <a:endParaRPr lang="en-US" dirty="0"/>
           </a:p>
@@ -3820,7 +3898,7 @@
           <a:p>
             <a:r>
               <a:rPr lang="en-US" smtClean="0"/>
-              <a:t>CS 6501: Information Retrieval</a:t>
+              <a:t>CS 4501: Information Retrieval</a:t>
             </a:r>
             <a:endParaRPr lang="en-US"/>
           </a:p>
@@ -4788,7 +4866,7 @@
           <a:p>
             <a:r>
               <a:rPr lang="en-US" smtClean="0"/>
-              <a:t>CS 6501: Information Retrieval</a:t>
+              <a:t>CS 4501: Information Retrieval</a:t>
             </a:r>
             <a:endParaRPr lang="en-US"/>
           </a:p>
@@ -5312,7 +5390,7 @@
           <a:p>
             <a:r>
               <a:rPr lang="en-US" smtClean="0"/>
-              <a:t>CS 6501: Information Retrieval</a:t>
+              <a:t>CS 4501: Information Retrieval</a:t>
             </a:r>
             <a:endParaRPr lang="en-US"/>
           </a:p>
@@ -5781,7 +5859,7 @@
           <a:p>
             <a:r>
               <a:rPr lang="en-US" smtClean="0"/>
-              <a:t>CS 6501: Information Retrieval</a:t>
+              <a:t>CS 4501: Information Retrieval</a:t>
             </a:r>
             <a:endParaRPr lang="en-US"/>
           </a:p>
@@ -7339,7 +7417,7 @@
           <a:p>
             <a:r>
               <a:rPr lang="en-US" smtClean="0"/>
-              <a:t>CS 6501: Information Retrieval</a:t>
+              <a:t>CS 4501: Information Retrieval</a:t>
             </a:r>
             <a:endParaRPr lang="en-US"/>
           </a:p>
@@ -7663,7 +7741,7 @@
           <a:p>
             <a:r>
               <a:rPr lang="en-US" smtClean="0"/>
-              <a:t>CS 6501: Information Retrieval</a:t>
+              <a:t>CS 4501: Information Retrieval</a:t>
             </a:r>
             <a:endParaRPr lang="en-US"/>
           </a:p>
@@ -8149,7 +8227,7 @@
           <a:p>
             <a:r>
               <a:rPr lang="en-US" smtClean="0"/>
-              <a:t>CS 6501: Information Retrieval</a:t>
+              <a:t>CS 4501: Information Retrieval</a:t>
             </a:r>
             <a:endParaRPr lang="en-US"/>
           </a:p>
@@ -8665,7 +8743,7 @@
           <a:p>
             <a:r>
               <a:rPr lang="en-US" smtClean="0"/>
-              <a:t>CS 6501: Information Retrieval</a:t>
+              <a:t>CS 4501: Information Retrieval</a:t>
             </a:r>
             <a:endParaRPr lang="en-US"/>
           </a:p>
@@ -9268,7 +9346,7 @@
           <a:p>
             <a:r>
               <a:rPr lang="en-US" smtClean="0"/>
-              <a:t>CS 6501: Information Retrieval</a:t>
+              <a:t>CS 4501: Information Retrieval</a:t>
             </a:r>
             <a:endParaRPr lang="en-US"/>
           </a:p>
@@ -15128,7 +15206,7 @@
           <a:p>
             <a:r>
               <a:rPr lang="en-US" smtClean="0"/>
-              <a:t>CS 6501: Information Retrieval</a:t>
+              <a:t>CS 4501: Information Retrieval</a:t>
             </a:r>
             <a:endParaRPr lang="en-US"/>
           </a:p>
@@ -15293,9 +15371,126 @@
   <p:timing>
     <p:tnLst>
       <p:par>
-        <p:cTn id="1" dur="indefinite" restart="never" nodeType="tmRoot"/>
+        <p:cTn id="1" dur="indefinite" restart="never" nodeType="tmRoot">
+          <p:childTnLst>
+            <p:seq concurrent="1" nextAc="seek">
+              <p:cTn id="2" dur="indefinite" nodeType="mainSeq">
+                <p:childTnLst>
+                  <p:par>
+                    <p:cTn id="3" fill="hold">
+                      <p:stCondLst>
+                        <p:cond delay="indefinite"/>
+                      </p:stCondLst>
+                      <p:childTnLst>
+                        <p:par>
+                          <p:cTn id="4" fill="hold">
+                            <p:stCondLst>
+                              <p:cond delay="0"/>
+                            </p:stCondLst>
+                            <p:childTnLst>
+                              <p:par>
+                                <p:cTn id="5" presetID="2" presetClass="entr" presetSubtype="1" fill="hold" grpId="0" nodeType="clickEffect">
+                                  <p:stCondLst>
+                                    <p:cond delay="0"/>
+                                  </p:stCondLst>
+                                  <p:childTnLst>
+                                    <p:set>
+                                      <p:cBhvr>
+                                        <p:cTn id="6" dur="1" fill="hold">
+                                          <p:stCondLst>
+                                            <p:cond delay="0"/>
+                                          </p:stCondLst>
+                                        </p:cTn>
+                                        <p:tgtEl>
+                                          <p:spTgt spid="59"/>
+                                        </p:tgtEl>
+                                        <p:attrNameLst>
+                                          <p:attrName>style.visibility</p:attrName>
+                                        </p:attrNameLst>
+                                      </p:cBhvr>
+                                      <p:to>
+                                        <p:strVal val="visible"/>
+                                      </p:to>
+                                    </p:set>
+                                    <p:anim calcmode="lin" valueType="num">
+                                      <p:cBhvr additive="base">
+                                        <p:cTn id="7" dur="500" fill="hold"/>
+                                        <p:tgtEl>
+                                          <p:spTgt spid="59"/>
+                                        </p:tgtEl>
+                                        <p:attrNameLst>
+                                          <p:attrName>ppt_x</p:attrName>
+                                        </p:attrNameLst>
+                                      </p:cBhvr>
+                                      <p:tavLst>
+                                        <p:tav tm="0">
+                                          <p:val>
+                                            <p:strVal val="#ppt_x"/>
+                                          </p:val>
+                                        </p:tav>
+                                        <p:tav tm="100000">
+                                          <p:val>
+                                            <p:strVal val="#ppt_x"/>
+                                          </p:val>
+                                        </p:tav>
+                                      </p:tavLst>
+                                    </p:anim>
+                                    <p:anim calcmode="lin" valueType="num">
+                                      <p:cBhvr additive="base">
+                                        <p:cTn id="8" dur="500" fill="hold"/>
+                                        <p:tgtEl>
+                                          <p:spTgt spid="59"/>
+                                        </p:tgtEl>
+                                        <p:attrNameLst>
+                                          <p:attrName>ppt_y</p:attrName>
+                                        </p:attrNameLst>
+                                      </p:cBhvr>
+                                      <p:tavLst>
+                                        <p:tav tm="0">
+                                          <p:val>
+                                            <p:strVal val="0-#ppt_h/2"/>
+                                          </p:val>
+                                        </p:tav>
+                                        <p:tav tm="100000">
+                                          <p:val>
+                                            <p:strVal val="#ppt_y"/>
+                                          </p:val>
+                                        </p:tav>
+                                      </p:tavLst>
+                                    </p:anim>
+                                  </p:childTnLst>
+                                </p:cTn>
+                              </p:par>
+                            </p:childTnLst>
+                          </p:cTn>
+                        </p:par>
+                      </p:childTnLst>
+                    </p:cTn>
+                  </p:par>
+                </p:childTnLst>
+              </p:cTn>
+              <p:prevCondLst>
+                <p:cond evt="onPrev" delay="0">
+                  <p:tgtEl>
+                    <p:sldTgt/>
+                  </p:tgtEl>
+                </p:cond>
+              </p:prevCondLst>
+              <p:nextCondLst>
+                <p:cond evt="onNext" delay="0">
+                  <p:tgtEl>
+                    <p:sldTgt/>
+                  </p:tgtEl>
+                </p:cond>
+              </p:nextCondLst>
+            </p:seq>
+          </p:childTnLst>
+        </p:cTn>
       </p:par>
     </p:tnLst>
+    <p:bldLst>
+      <p:bldP spid="59" grpId="0" animBg="1"/>
+    </p:bldLst>
   </p:timing>
 </p:sld>
 </file>
@@ -15362,103 +15557,103 @@
         </p:spPr>
         <p:txBody>
           <a:bodyPr>
-            <a:normAutofit fontScale="92500" lnSpcReduction="20000"/>
+            <a:normAutofit/>
           </a:bodyPr>
           <a:lstStyle/>
           <a:p>
             <a:r>
+              <a:rPr lang="en-US" altLang="en-US" dirty="0" smtClean="0"/>
+              <a:t>Query</a:t>
+            </a:r>
+            <a:r>
               <a:rPr lang="en-US" altLang="en-US" dirty="0"/>
-              <a:t>Two views of document length</a:t>
+              <a:t>: </a:t>
+            </a:r>
+            <a:r>
+              <a:rPr lang="en-US" altLang="en-US" i="1" dirty="0" err="1"/>
+              <a:t>iphone</a:t>
+            </a:r>
+            <a:r>
+              <a:rPr lang="en-US" altLang="en-US" i="1" dirty="0"/>
+              <a:t> </a:t>
+            </a:r>
+            <a:r>
+              <a:rPr lang="en-US" altLang="en-US" i="1" dirty="0" smtClean="0"/>
+              <a:t>6s</a:t>
             </a:r>
           </a:p>
           <a:p>
             <a:pPr lvl="1"/>
             <a:r>
+              <a:rPr lang="en-US" altLang="en-US" dirty="0" smtClean="0"/>
+              <a:t>D1</a:t>
+            </a:r>
+            <a:r>
               <a:rPr lang="en-US" altLang="en-US" dirty="0"/>
-              <a:t>A doc is long because it </a:t>
+              <a:t>: iPhone </a:t>
             </a:r>
             <a:r>
               <a:rPr lang="en-US" altLang="en-US" dirty="0" smtClean="0"/>
-              <a:t>is verbose</a:t>
+              <a:t>6s receives </a:t>
+            </a:r>
+            <a:r>
+              <a:rPr lang="en-US" altLang="en-US" dirty="0"/>
+              <a:t>p</a:t>
+            </a:r>
+            <a:r>
+              <a:rPr lang="en-US" altLang="en-US" dirty="0" smtClean="0"/>
+              <a:t>re-orders on September 12</a:t>
+            </a:r>
+          </a:p>
+          <a:p>
+            <a:pPr lvl="1"/>
+            <a:r>
+              <a:rPr lang="en-US" altLang="en-US" dirty="0" smtClean="0"/>
+              <a:t>D2: iPhone 6 has three color options.</a:t>
+            </a:r>
+          </a:p>
+          <a:p>
+            <a:pPr lvl="1"/>
+            <a:r>
+              <a:rPr lang="en-US" altLang="en-US" dirty="0" smtClean="0"/>
+              <a:t>D3: </a:t>
+            </a:r>
+            <a:r>
+              <a:rPr lang="en-US" altLang="en-US" dirty="0"/>
+              <a:t>iPhone 6 has three color </a:t>
+            </a:r>
+            <a:r>
+              <a:rPr lang="en-US" altLang="en-US" dirty="0" smtClean="0"/>
+              <a:t>options</a:t>
+            </a:r>
+            <a:r>
+              <a:rPr lang="en-US" altLang="en-US" dirty="0"/>
+              <a:t>.</a:t>
+            </a:r>
+            <a:r>
+              <a:rPr lang="en-US" altLang="en-US" dirty="0" smtClean="0"/>
+              <a:t> iPhone </a:t>
+            </a:r>
+            <a:r>
+              <a:rPr lang="en-US" altLang="en-US" dirty="0"/>
+              <a:t>6 has three color </a:t>
+            </a:r>
+            <a:r>
+              <a:rPr lang="en-US" altLang="en-US" dirty="0" smtClean="0"/>
+              <a:t>options. </a:t>
+            </a:r>
+            <a:r>
+              <a:rPr lang="en-US" altLang="en-US" dirty="0"/>
+              <a:t>iPhone 6 has three color </a:t>
+            </a:r>
+            <a:r>
+              <a:rPr lang="en-US" altLang="en-US" dirty="0" smtClean="0"/>
+              <a:t>options.</a:t>
             </a:r>
             <a:endParaRPr lang="en-US" altLang="en-US" dirty="0"/>
           </a:p>
           <a:p>
             <a:pPr lvl="1"/>
-            <a:r>
-              <a:rPr lang="en-US" altLang="en-US" dirty="0"/>
-              <a:t>A doc is long because it has more </a:t>
-            </a:r>
-            <a:r>
-              <a:rPr lang="en-US" altLang="en-US" dirty="0" smtClean="0"/>
-              <a:t>content</a:t>
-            </a:r>
-          </a:p>
-          <a:p>
-            <a:r>
-              <a:rPr lang="en-US" altLang="en-US" dirty="0" smtClean="0"/>
-              <a:t>Raw TF is inaccurate</a:t>
-            </a:r>
-            <a:endParaRPr lang="en-US" altLang="en-US" dirty="0"/>
-          </a:p>
-          <a:p>
-            <a:pPr lvl="1"/>
-            <a:r>
-              <a:rPr lang="en-US" altLang="en-US" dirty="0"/>
-              <a:t>Document length variation</a:t>
-            </a:r>
-          </a:p>
-          <a:p>
-            <a:pPr lvl="1"/>
-            <a:r>
-              <a:rPr lang="en-US" altLang="en-US" dirty="0"/>
-              <a:t>“Repeated occurrences” are less informative than the “first occurrence</a:t>
-            </a:r>
-            <a:r>
-              <a:rPr lang="en-US" altLang="en-US" dirty="0" smtClean="0"/>
-              <a:t>”</a:t>
-            </a:r>
-          </a:p>
-          <a:p>
-            <a:pPr lvl="1"/>
-            <a:r>
-              <a:rPr lang="en-US" altLang="en-US" dirty="0"/>
-              <a:t>Relevance does not </a:t>
-            </a:r>
-            <a:r>
-              <a:rPr lang="en-US" altLang="en-US" dirty="0" smtClean="0"/>
-              <a:t>increase </a:t>
-            </a:r>
-            <a:r>
-              <a:rPr lang="en-US" altLang="en-US" dirty="0"/>
-              <a:t>proportionally with </a:t>
-            </a:r>
-            <a:r>
-              <a:rPr lang="en-US" altLang="en-US" dirty="0" smtClean="0"/>
-              <a:t>number of term occurrence</a:t>
-            </a:r>
-            <a:endParaRPr lang="en-US" altLang="en-US" dirty="0"/>
-          </a:p>
-          <a:p>
-            <a:r>
-              <a:rPr lang="en-US" altLang="en-US" dirty="0" smtClean="0"/>
-              <a:t>Generally </a:t>
-            </a:r>
-            <a:r>
-              <a:rPr lang="en-US" altLang="en-US" dirty="0"/>
-              <a:t>penalize long doc, but avoid </a:t>
-            </a:r>
-            <a:r>
-              <a:rPr lang="en-US" altLang="en-US" dirty="0" smtClean="0"/>
-              <a:t>over-penalizing</a:t>
-            </a:r>
-          </a:p>
-          <a:p>
-            <a:pPr lvl="1"/>
-            <a:r>
-              <a:rPr lang="en-US" altLang="en-US" dirty="0" smtClean="0"/>
-              <a:t>Pivoted length normalization</a:t>
-            </a:r>
             <a:endParaRPr lang="en-US" altLang="en-US" dirty="0"/>
           </a:p>
         </p:txBody>
@@ -15503,7 +15698,7 @@
           <a:p>
             <a:r>
               <a:rPr lang="en-US" smtClean="0"/>
-              <a:t>CS 6501: Information Retrieval</a:t>
+              <a:t>CS 4501: Information Retrieval</a:t>
             </a:r>
             <a:endParaRPr lang="en-US"/>
           </a:p>
@@ -15527,6 +15722,330 @@
             <a:fld id="{2A9F8BE9-47C8-4C45-B88F-68A848B0515F}" type="slidenum">
               <a:rPr lang="en-US" smtClean="0"/>
               <a:t>20</a:t>
+            </a:fld>
+            <a:endParaRPr lang="en-US"/>
+          </a:p>
+        </p:txBody>
+      </p:sp>
+    </p:spTree>
+    <p:extLst>
+      <p:ext uri="{BB962C8B-B14F-4D97-AF65-F5344CB8AC3E}">
+        <p14:creationId xmlns:p14="http://schemas.microsoft.com/office/powerpoint/2010/main" val="1910968946"/>
+      </p:ext>
+    </p:extLst>
+  </p:cSld>
+  <p:clrMapOvr>
+    <a:masterClrMapping/>
+  </p:clrMapOvr>
+  <p:timing>
+    <p:tnLst>
+      <p:par>
+        <p:cTn id="1" dur="indefinite" restart="never" nodeType="tmRoot">
+          <p:childTnLst>
+            <p:seq concurrent="1" nextAc="seek">
+              <p:cTn id="2" dur="indefinite" nodeType="mainSeq">
+                <p:childTnLst>
+                  <p:par>
+                    <p:cTn id="3" fill="hold">
+                      <p:stCondLst>
+                        <p:cond delay="indefinite"/>
+                      </p:stCondLst>
+                      <p:childTnLst>
+                        <p:par>
+                          <p:cTn id="4" fill="hold">
+                            <p:stCondLst>
+                              <p:cond delay="0"/>
+                            </p:stCondLst>
+                            <p:childTnLst>
+                              <p:par>
+                                <p:cTn id="5" presetID="1" presetClass="entr" presetSubtype="0" fill="hold" nodeType="clickEffect">
+                                  <p:stCondLst>
+                                    <p:cond delay="0"/>
+                                  </p:stCondLst>
+                                  <p:childTnLst>
+                                    <p:set>
+                                      <p:cBhvr>
+                                        <p:cTn id="6" dur="1" fill="hold">
+                                          <p:stCondLst>
+                                            <p:cond delay="0"/>
+                                          </p:stCondLst>
+                                        </p:cTn>
+                                        <p:tgtEl>
+                                          <p:spTgt spid="327683">
+                                            <p:txEl>
+                                              <p:pRg st="3" end="3"/>
+                                            </p:txEl>
+                                          </p:spTgt>
+                                        </p:tgtEl>
+                                        <p:attrNameLst>
+                                          <p:attrName>style.visibility</p:attrName>
+                                        </p:attrNameLst>
+                                      </p:cBhvr>
+                                      <p:to>
+                                        <p:strVal val="visible"/>
+                                      </p:to>
+                                    </p:set>
+                                  </p:childTnLst>
+                                </p:cTn>
+                              </p:par>
+                            </p:childTnLst>
+                          </p:cTn>
+                        </p:par>
+                      </p:childTnLst>
+                    </p:cTn>
+                  </p:par>
+                </p:childTnLst>
+              </p:cTn>
+              <p:prevCondLst>
+                <p:cond evt="onPrev" delay="0">
+                  <p:tgtEl>
+                    <p:sldTgt/>
+                  </p:tgtEl>
+                </p:cond>
+              </p:prevCondLst>
+              <p:nextCondLst>
+                <p:cond evt="onNext" delay="0">
+                  <p:tgtEl>
+                    <p:sldTgt/>
+                  </p:tgtEl>
+                </p:cond>
+              </p:nextCondLst>
+            </p:seq>
+          </p:childTnLst>
+        </p:cTn>
+      </p:par>
+    </p:tnLst>
+  </p:timing>
+</p:sld>
+</file>
+
+<file path=ppt/slides/slide21.xml><?xml version="1.0" encoding="utf-8"?>
+<p:sld xmlns:a="http://schemas.openxmlformats.org/drawingml/2006/main" xmlns:r="http://schemas.openxmlformats.org/officeDocument/2006/relationships" xmlns:p="http://schemas.openxmlformats.org/presentationml/2006/main">
+  <p:cSld>
+    <p:spTree>
+      <p:nvGrpSpPr>
+        <p:cNvPr id="1" name=""/>
+        <p:cNvGrpSpPr/>
+        <p:nvPr/>
+      </p:nvGrpSpPr>
+      <p:grpSpPr>
+        <a:xfrm>
+          <a:off x="0" y="0"/>
+          <a:ext cx="0" cy="0"/>
+          <a:chOff x="0" y="0"/>
+          <a:chExt cx="0" cy="0"/>
+        </a:xfrm>
+      </p:grpSpPr>
+      <p:sp>
+        <p:nvSpPr>
+          <p:cNvPr id="327682" name="Rectangle 2"/>
+          <p:cNvSpPr>
+            <a:spLocks noGrp="1" noChangeArrowheads="1"/>
+          </p:cNvSpPr>
+          <p:nvPr>
+            <p:ph type="title"/>
+          </p:nvPr>
+        </p:nvSpPr>
+        <p:spPr/>
+        <p:txBody>
+          <a:bodyPr/>
+          <a:lstStyle/>
+          <a:p>
+            <a:r>
+              <a:rPr lang="en-US" altLang="en-US" dirty="0"/>
+              <a:t>TF </a:t>
+            </a:r>
+            <a:r>
+              <a:rPr lang="en-US" altLang="en-US" dirty="0" smtClean="0"/>
+              <a:t>normalization</a:t>
+            </a:r>
+            <a:endParaRPr lang="en-US" altLang="en-US" dirty="0"/>
+          </a:p>
+        </p:txBody>
+      </p:sp>
+      <p:sp>
+        <p:nvSpPr>
+          <p:cNvPr id="327683" name="Rectangle 3"/>
+          <p:cNvSpPr>
+            <a:spLocks noGrp="1" noChangeArrowheads="1"/>
+          </p:cNvSpPr>
+          <p:nvPr>
+            <p:ph idx="1"/>
+          </p:nvPr>
+        </p:nvSpPr>
+        <p:spPr>
+          <a:xfrm>
+            <a:off x="457200" y="1600200"/>
+            <a:ext cx="8229600" cy="4876800"/>
+          </a:xfrm>
+        </p:spPr>
+        <p:txBody>
+          <a:bodyPr>
+            <a:normAutofit fontScale="92500" lnSpcReduction="20000"/>
+          </a:bodyPr>
+          <a:lstStyle/>
+          <a:p>
+            <a:r>
+              <a:rPr lang="en-US" altLang="en-US" dirty="0"/>
+              <a:t>Two views of document length</a:t>
+            </a:r>
+          </a:p>
+          <a:p>
+            <a:pPr lvl="1"/>
+            <a:r>
+              <a:rPr lang="en-US" altLang="en-US" dirty="0"/>
+              <a:t>A doc is long because it </a:t>
+            </a:r>
+            <a:r>
+              <a:rPr lang="en-US" altLang="en-US" dirty="0" smtClean="0"/>
+              <a:t>is verbose</a:t>
+            </a:r>
+            <a:endParaRPr lang="en-US" altLang="en-US" dirty="0"/>
+          </a:p>
+          <a:p>
+            <a:pPr lvl="1"/>
+            <a:r>
+              <a:rPr lang="en-US" altLang="en-US" dirty="0"/>
+              <a:t>A doc is long because it has more </a:t>
+            </a:r>
+            <a:r>
+              <a:rPr lang="en-US" altLang="en-US" dirty="0" smtClean="0"/>
+              <a:t>content</a:t>
+            </a:r>
+          </a:p>
+          <a:p>
+            <a:r>
+              <a:rPr lang="en-US" altLang="en-US" dirty="0" smtClean="0"/>
+              <a:t>Raw TF is inaccurate</a:t>
+            </a:r>
+            <a:endParaRPr lang="en-US" altLang="en-US" dirty="0"/>
+          </a:p>
+          <a:p>
+            <a:pPr lvl="1"/>
+            <a:r>
+              <a:rPr lang="en-US" altLang="en-US" dirty="0"/>
+              <a:t>Document length variation</a:t>
+            </a:r>
+          </a:p>
+          <a:p>
+            <a:pPr lvl="1"/>
+            <a:r>
+              <a:rPr lang="en-US" altLang="en-US" dirty="0"/>
+              <a:t>“Repeated occurrences” are less informative than the “first occurrence</a:t>
+            </a:r>
+            <a:r>
+              <a:rPr lang="en-US" altLang="en-US" dirty="0" smtClean="0"/>
+              <a:t>”</a:t>
+            </a:r>
+          </a:p>
+          <a:p>
+            <a:pPr lvl="1"/>
+            <a:r>
+              <a:rPr lang="en-US" altLang="en-US" dirty="0"/>
+              <a:t>Relevance does not </a:t>
+            </a:r>
+            <a:r>
+              <a:rPr lang="en-US" altLang="en-US" dirty="0" smtClean="0"/>
+              <a:t>increase </a:t>
+            </a:r>
+            <a:r>
+              <a:rPr lang="en-US" altLang="en-US" dirty="0"/>
+              <a:t>proportionally with </a:t>
+            </a:r>
+            <a:r>
+              <a:rPr lang="en-US" altLang="en-US" dirty="0" smtClean="0"/>
+              <a:t>number of term occurrence</a:t>
+            </a:r>
+            <a:endParaRPr lang="en-US" altLang="en-US" dirty="0"/>
+          </a:p>
+          <a:p>
+            <a:r>
+              <a:rPr lang="en-US" altLang="en-US" dirty="0" smtClean="0"/>
+              <a:t>Generally </a:t>
+            </a:r>
+            <a:r>
+              <a:rPr lang="en-US" altLang="en-US" dirty="0"/>
+              <a:t>penalize long doc, but avoid </a:t>
+            </a:r>
+            <a:r>
+              <a:rPr lang="en-US" altLang="en-US" dirty="0" smtClean="0"/>
+              <a:t>over-penalizing</a:t>
+            </a:r>
+          </a:p>
+          <a:p>
+            <a:pPr lvl="1"/>
+            <a:r>
+              <a:rPr lang="en-US" altLang="en-US" dirty="0" smtClean="0"/>
+              <a:t>Pivoted length normalization</a:t>
+            </a:r>
+            <a:endParaRPr lang="en-US" altLang="en-US" dirty="0"/>
+          </a:p>
+        </p:txBody>
+      </p:sp>
+      <p:sp>
+        <p:nvSpPr>
+          <p:cNvPr id="2" name="Date Placeholder 1"/>
+          <p:cNvSpPr>
+            <a:spLocks noGrp="1"/>
+          </p:cNvSpPr>
+          <p:nvPr>
+            <p:ph type="dt" sz="half" idx="10"/>
+          </p:nvPr>
+        </p:nvSpPr>
+        <p:spPr/>
+        <p:txBody>
+          <a:bodyPr/>
+          <a:lstStyle/>
+          <a:p>
+            <a:r>
+              <a:rPr lang="en-US" smtClean="0"/>
+              <a:t>CS@UVa</a:t>
+            </a:r>
+            <a:endParaRPr lang="en-US"/>
+          </a:p>
+        </p:txBody>
+      </p:sp>
+      <p:sp>
+        <p:nvSpPr>
+          <p:cNvPr id="3" name="Footer Placeholder 2"/>
+          <p:cNvSpPr>
+            <a:spLocks noGrp="1"/>
+          </p:cNvSpPr>
+          <p:nvPr>
+            <p:ph type="ftr" sz="quarter" idx="11"/>
+          </p:nvPr>
+        </p:nvSpPr>
+        <p:spPr/>
+        <p:txBody>
+          <a:bodyPr/>
+          <a:lstStyle/>
+          <a:p>
+            <a:r>
+              <a:rPr lang="en-US" smtClean="0"/>
+              <a:t>CS 4501: Information Retrieval</a:t>
+            </a:r>
+            <a:endParaRPr lang="en-US"/>
+          </a:p>
+        </p:txBody>
+      </p:sp>
+      <p:sp>
+        <p:nvSpPr>
+          <p:cNvPr id="4" name="Slide Number Placeholder 3"/>
+          <p:cNvSpPr>
+            <a:spLocks noGrp="1"/>
+          </p:cNvSpPr>
+          <p:nvPr>
+            <p:ph type="sldNum" sz="quarter" idx="12"/>
+          </p:nvPr>
+        </p:nvSpPr>
+        <p:spPr/>
+        <p:txBody>
+          <a:bodyPr/>
+          <a:lstStyle/>
+          <a:p>
+            <a:fld id="{2A9F8BE9-47C8-4C45-B88F-68A848B0515F}" type="slidenum">
+              <a:rPr lang="en-US" smtClean="0"/>
+              <a:t>21</a:t>
             </a:fld>
             <a:endParaRPr lang="en-US"/>
           </a:p>
@@ -15815,7 +16334,7 @@
 </p:sld>
 </file>
 
-<file path=ppt/slides/slide21.xml><?xml version="1.0" encoding="utf-8"?>
+<file path=ppt/slides/slide22.xml><?xml version="1.0" encoding="utf-8"?>
 <p:sld xmlns:a="http://schemas.openxmlformats.org/drawingml/2006/main" xmlns:r="http://schemas.openxmlformats.org/officeDocument/2006/relationships" xmlns:p="http://schemas.openxmlformats.org/presentationml/2006/main">
   <p:cSld>
     <p:spTree>
@@ -16529,7 +17048,7 @@
           <a:p>
             <a:r>
               <a:rPr lang="en-US" smtClean="0"/>
-              <a:t>CS 6501: Information Retrieval</a:t>
+              <a:t>CS 4501: Information Retrieval</a:t>
             </a:r>
             <a:endParaRPr lang="en-US"/>
           </a:p>
@@ -16552,7 +17071,7 @@
           <a:p>
             <a:fld id="{2A9F8BE9-47C8-4C45-B88F-68A848B0515F}" type="slidenum">
               <a:rPr lang="en-US" smtClean="0"/>
-              <a:t>21</a:t>
+              <a:t>22</a:t>
             </a:fld>
             <a:endParaRPr lang="en-US"/>
           </a:p>
@@ -16578,7 +17097,7 @@
 </p:sld>
 </file>
 
-<file path=ppt/slides/slide22.xml><?xml version="1.0" encoding="utf-8"?>
+<file path=ppt/slides/slide23.xml><?xml version="1.0" encoding="utf-8"?>
 <p:sld xmlns:a="http://schemas.openxmlformats.org/drawingml/2006/main" xmlns:r="http://schemas.openxmlformats.org/officeDocument/2006/relationships" xmlns:p="http://schemas.openxmlformats.org/presentationml/2006/main">
   <p:cSld>
     <p:spTree>
@@ -16622,8 +17141,8 @@
           </a:p>
         </p:txBody>
       </p:sp>
-      <mc:AlternateContent xmlns:mc="http://schemas.openxmlformats.org/markup-compatibility/2006">
-        <mc:Choice xmlns:a14="http://schemas.microsoft.com/office/drawing/2010/main" Requires="a14">
+      <mc:AlternateContent xmlns:mc="http://schemas.openxmlformats.org/markup-compatibility/2006" xmlns:a14="http://schemas.microsoft.com/office/drawing/2010/main">
+        <mc:Choice Requires="a14">
           <p:sp>
             <p:nvSpPr>
               <p:cNvPr id="2" name="Content Placeholder 1"/>
@@ -16851,22 +17370,14 @@
                 <a:pPr lvl="1"/>
                 <a:r>
                   <a:rPr lang="en-US" dirty="0" smtClean="0"/>
-                  <a:t>Normalize by </a:t>
-                </a:r>
-                <a:r>
-                  <a:rPr lang="en-US" dirty="0" smtClean="0"/>
-                  <a:t>the most </a:t>
-                </a:r>
-                <a:r>
-                  <a:rPr lang="en-US" dirty="0" smtClean="0"/>
-                  <a:t>frequent word in this doc</a:t>
+                  <a:t>Normalize by the most frequent word in this doc</a:t>
                 </a:r>
                 <a:endParaRPr lang="en-US" dirty="0"/>
               </a:p>
             </p:txBody>
           </p:sp>
         </mc:Choice>
-        <mc:Fallback>
+        <mc:Fallback xmlns="">
           <p:sp>
             <p:nvSpPr>
               <p:cNvPr id="2" name="Content Placeholder 1"/>
@@ -17333,7 +17844,7 @@
           <a:p>
             <a:r>
               <a:rPr lang="en-US" smtClean="0"/>
-              <a:t>CS 6501: Information Retrieval</a:t>
+              <a:t>CS 4501: Information Retrieval</a:t>
             </a:r>
             <a:endParaRPr lang="en-US"/>
           </a:p>
@@ -17356,7 +17867,7 @@
           <a:p>
             <a:fld id="{2A9F8BE9-47C8-4C45-B88F-68A848B0515F}" type="slidenum">
               <a:rPr lang="en-US" smtClean="0"/>
-              <a:t>22</a:t>
+              <a:t>23</a:t>
             </a:fld>
             <a:endParaRPr lang="en-US"/>
           </a:p>
@@ -17382,7 +17893,7 @@
 </p:sld>
 </file>
 
-<file path=ppt/slides/slide23.xml><?xml version="1.0" encoding="utf-8"?>
+<file path=ppt/slides/slide24.xml><?xml version="1.0" encoding="utf-8"?>
 <p:sld xmlns:a="http://schemas.openxmlformats.org/drawingml/2006/main" xmlns:r="http://schemas.openxmlformats.org/officeDocument/2006/relationships" xmlns:p="http://schemas.openxmlformats.org/presentationml/2006/main">
   <p:cSld>
     <p:spTree>
@@ -17555,7 +18066,7 @@
           <a:p>
             <a:r>
               <a:rPr lang="en-US" smtClean="0"/>
-              <a:t>CS 6501: Information Retrieval</a:t>
+              <a:t>CS 4501: Information Retrieval</a:t>
             </a:r>
             <a:endParaRPr lang="en-US"/>
           </a:p>
@@ -17578,7 +18089,7 @@
           <a:p>
             <a:fld id="{2A9F8BE9-47C8-4C45-B88F-68A848B0515F}" type="slidenum">
               <a:rPr lang="en-US" smtClean="0"/>
-              <a:t>23</a:t>
+              <a:t>24</a:t>
             </a:fld>
             <a:endParaRPr lang="en-US"/>
           </a:p>
@@ -17604,7 +18115,7 @@
 </p:sld>
 </file>
 
-<file path=ppt/slides/slide24.xml><?xml version="1.0" encoding="utf-8"?>
+<file path=ppt/slides/slide25.xml><?xml version="1.0" encoding="utf-8"?>
 <p:sld xmlns:a="http://schemas.openxmlformats.org/drawingml/2006/main" xmlns:r="http://schemas.openxmlformats.org/officeDocument/2006/relationships" xmlns:p="http://schemas.openxmlformats.org/presentationml/2006/main">
   <p:cSld>
     <p:spTree>
@@ -18206,7 +18717,7 @@
           <a:p>
             <a:r>
               <a:rPr lang="en-US" smtClean="0"/>
-              <a:t>CS 6501: Information Retrieval</a:t>
+              <a:t>CS 4501: Information Retrieval</a:t>
             </a:r>
             <a:endParaRPr lang="en-US"/>
           </a:p>
@@ -18229,7 +18740,7 @@
           <a:p>
             <a:fld id="{2A9F8BE9-47C8-4C45-B88F-68A848B0515F}" type="slidenum">
               <a:rPr lang="en-US" smtClean="0"/>
-              <a:t>24</a:t>
+              <a:t>25</a:t>
             </a:fld>
             <a:endParaRPr lang="en-US"/>
           </a:p>
@@ -18493,7 +19004,7 @@
 </p:sld>
 </file>
 
-<file path=ppt/slides/slide25.xml><?xml version="1.0" encoding="utf-8"?>
+<file path=ppt/slides/slide26.xml><?xml version="1.0" encoding="utf-8"?>
 <p:sld xmlns:a="http://schemas.openxmlformats.org/drawingml/2006/main" xmlns:r="http://schemas.openxmlformats.org/officeDocument/2006/relationships" xmlns:p="http://schemas.openxmlformats.org/presentationml/2006/main">
   <p:cSld>
     <p:spTree>
@@ -18970,7 +19481,7 @@
           <a:p>
             <a:r>
               <a:rPr lang="en-US" smtClean="0"/>
-              <a:t>CS 6501: Information Retrieval</a:t>
+              <a:t>CS 4501: Information Retrieval</a:t>
             </a:r>
             <a:endParaRPr lang="en-US"/>
           </a:p>
@@ -18993,7 +19504,7 @@
           <a:p>
             <a:fld id="{2A9F8BE9-47C8-4C45-B88F-68A848B0515F}" type="slidenum">
               <a:rPr lang="en-US" smtClean="0"/>
-              <a:t>25</a:t>
+              <a:t>26</a:t>
             </a:fld>
             <a:endParaRPr lang="en-US"/>
           </a:p>
@@ -19166,7 +19677,7 @@
 </p:sld>
 </file>
 
-<file path=ppt/slides/slide26.xml><?xml version="1.0" encoding="utf-8"?>
+<file path=ppt/slides/slide27.xml><?xml version="1.0" encoding="utf-8"?>
 <p:sld xmlns:a="http://schemas.openxmlformats.org/drawingml/2006/main" xmlns:r="http://schemas.openxmlformats.org/officeDocument/2006/relationships" xmlns:p="http://schemas.openxmlformats.org/presentationml/2006/main">
   <p:cSld>
     <p:spTree>
@@ -19681,7 +20192,7 @@
           <a:p>
             <a:r>
               <a:rPr lang="en-US" smtClean="0"/>
-              <a:t>CS 6501: Information Retrieval</a:t>
+              <a:t>CS 4501: Information Retrieval</a:t>
             </a:r>
             <a:endParaRPr lang="en-US"/>
           </a:p>
@@ -19704,7 +20215,7 @@
           <a:p>
             <a:fld id="{2A9F8BE9-47C8-4C45-B88F-68A848B0515F}" type="slidenum">
               <a:rPr lang="en-US" smtClean="0"/>
-              <a:t>26</a:t>
+              <a:t>27</a:t>
             </a:fld>
             <a:endParaRPr lang="en-US"/>
           </a:p>
@@ -19895,7 +20406,7 @@
 </p:sld>
 </file>
 
-<file path=ppt/slides/slide27.xml><?xml version="1.0" encoding="utf-8"?>
+<file path=ppt/slides/slide28.xml><?xml version="1.0" encoding="utf-8"?>
 <p:sld xmlns:a="http://schemas.openxmlformats.org/drawingml/2006/main" xmlns:r="http://schemas.openxmlformats.org/officeDocument/2006/relationships" xmlns:p="http://schemas.openxmlformats.org/presentationml/2006/main">
   <p:cSld>
     <p:spTree>
@@ -21408,7 +21919,7 @@
           <a:p>
             <a:r>
               <a:rPr lang="en-US" smtClean="0"/>
-              <a:t>CS 6501: Information Retrieval</a:t>
+              <a:t>CS 4501: Information Retrieval</a:t>
             </a:r>
             <a:endParaRPr lang="en-US"/>
           </a:p>
@@ -21431,7 +21942,7 @@
           <a:p>
             <a:fld id="{2A9F8BE9-47C8-4C45-B88F-68A848B0515F}" type="slidenum">
               <a:rPr lang="en-US" smtClean="0"/>
-              <a:t>27</a:t>
+              <a:t>28</a:t>
             </a:fld>
             <a:endParaRPr lang="en-US"/>
           </a:p>
@@ -21532,7 +22043,7 @@
 </p:sld>
 </file>
 
-<file path=ppt/slides/slide28.xml><?xml version="1.0" encoding="utf-8"?>
+<file path=ppt/slides/slide29.xml><?xml version="1.0" encoding="utf-8"?>
 <p:sld xmlns:a="http://schemas.openxmlformats.org/drawingml/2006/main" xmlns:r="http://schemas.openxmlformats.org/officeDocument/2006/relationships" xmlns:p="http://schemas.openxmlformats.org/presentationml/2006/main">
   <p:cSld>
     <p:spTree>
@@ -21937,7 +22448,7 @@
           <a:p>
             <a:r>
               <a:rPr lang="en-US" smtClean="0"/>
-              <a:t>CS 6501: Information Retrieval</a:t>
+              <a:t>CS 4501: Information Retrieval</a:t>
             </a:r>
             <a:endParaRPr lang="en-US"/>
           </a:p>
@@ -21960,7 +22471,7 @@
           <a:p>
             <a:fld id="{2A9F8BE9-47C8-4C45-B88F-68A848B0515F}" type="slidenum">
               <a:rPr lang="en-US" smtClean="0"/>
-              <a:t>28</a:t>
+              <a:t>29</a:t>
             </a:fld>
             <a:endParaRPr lang="en-US"/>
           </a:p>
@@ -22107,1210 +22618,6 @@
 </p:sld>
 </file>
 
-<file path=ppt/slides/slide29.xml><?xml version="1.0" encoding="utf-8"?>
-<p:sld xmlns:a="http://schemas.openxmlformats.org/drawingml/2006/main" xmlns:r="http://schemas.openxmlformats.org/officeDocument/2006/relationships" xmlns:p="http://schemas.openxmlformats.org/presentationml/2006/main">
-  <p:cSld>
-    <p:spTree>
-      <p:nvGrpSpPr>
-        <p:cNvPr id="1" name=""/>
-        <p:cNvGrpSpPr/>
-        <p:nvPr/>
-      </p:nvGrpSpPr>
-      <p:grpSpPr>
-        <a:xfrm>
-          <a:off x="0" y="0"/>
-          <a:ext cx="0" cy="0"/>
-          <a:chOff x="0" y="0"/>
-          <a:chExt cx="0" cy="0"/>
-        </a:xfrm>
-      </p:grpSpPr>
-      <p:sp>
-        <p:nvSpPr>
-          <p:cNvPr id="2" name="Title 1"/>
-          <p:cNvSpPr>
-            <a:spLocks noGrp="1"/>
-          </p:cNvSpPr>
-          <p:nvPr>
-            <p:ph type="title"/>
-          </p:nvPr>
-        </p:nvSpPr>
-        <p:spPr/>
-        <p:txBody>
-          <a:bodyPr/>
-          <a:lstStyle/>
-          <a:p>
-            <a:r>
-              <a:rPr lang="en-US" dirty="0" smtClean="0"/>
-              <a:t>From distance to angle</a:t>
-            </a:r>
-            <a:endParaRPr lang="en-US" dirty="0"/>
-          </a:p>
-        </p:txBody>
-      </p:sp>
-      <p:sp>
-        <p:nvSpPr>
-          <p:cNvPr id="3" name="Content Placeholder 2"/>
-          <p:cNvSpPr>
-            <a:spLocks noGrp="1"/>
-          </p:cNvSpPr>
-          <p:nvPr>
-            <p:ph idx="1"/>
-          </p:nvPr>
-        </p:nvSpPr>
-        <p:spPr/>
-        <p:txBody>
-          <a:bodyPr/>
-          <a:lstStyle/>
-          <a:p>
-            <a:r>
-              <a:rPr lang="en-US" dirty="0" smtClean="0"/>
-              <a:t>Angle: how vectors are overlapped</a:t>
-            </a:r>
-          </a:p>
-          <a:p>
-            <a:pPr lvl="1"/>
-            <a:r>
-              <a:rPr lang="en-US" dirty="0" smtClean="0"/>
-              <a:t>Cosine similarity – projection of one vector onto another</a:t>
-            </a:r>
-            <a:endParaRPr lang="en-US" dirty="0"/>
-          </a:p>
-        </p:txBody>
-      </p:sp>
-      <p:sp>
-        <p:nvSpPr>
-          <p:cNvPr id="8" name="Line 5"/>
-          <p:cNvSpPr>
-            <a:spLocks noChangeShapeType="1"/>
-          </p:cNvSpPr>
-          <p:nvPr/>
-        </p:nvSpPr>
-        <p:spPr bwMode="auto">
-          <a:xfrm>
-            <a:off x="2362201" y="6248399"/>
-            <a:ext cx="3276601" cy="0"/>
-          </a:xfrm>
-          <a:prstGeom prst="line">
-            <a:avLst/>
-          </a:prstGeom>
-          <a:noFill/>
-          <a:ln w="38100">
-            <a:solidFill>
-              <a:schemeClr val="tx1"/>
-            </a:solidFill>
-            <a:round/>
-            <a:headEnd/>
-            <a:tailEnd type="triangle" w="med" len="med"/>
-          </a:ln>
-          <a:effectLst/>
-          <a:extLst>
-            <a:ext uri="{909E8E84-426E-40DD-AFC4-6F175D3DCCD1}">
-              <a14:hiddenFill xmlns:a14="http://schemas.microsoft.com/office/drawing/2010/main">
-                <a:noFill/>
-              </a14:hiddenFill>
-            </a:ext>
-            <a:ext uri="{AF507438-7753-43E0-B8FC-AC1667EBCBE1}">
-              <a14:hiddenEffects xmlns:a14="http://schemas.microsoft.com/office/drawing/2010/main">
-                <a:effectLst>
-                  <a:outerShdw dist="35921" dir="2700000" algn="ctr" rotWithShape="0">
-                    <a:schemeClr val="bg2"/>
-                  </a:outerShdw>
-                </a:effectLst>
-              </a14:hiddenEffects>
-            </a:ext>
-          </a:extLst>
-        </p:spPr>
-        <p:txBody>
-          <a:bodyPr wrap="none" anchor="ctr"/>
-          <a:lstStyle/>
-          <a:p>
-            <a:endParaRPr lang="en-US"/>
-          </a:p>
-        </p:txBody>
-      </p:sp>
-      <p:sp>
-        <p:nvSpPr>
-          <p:cNvPr id="9" name="Line 6"/>
-          <p:cNvSpPr>
-            <a:spLocks noChangeShapeType="1"/>
-          </p:cNvSpPr>
-          <p:nvPr/>
-        </p:nvSpPr>
-        <p:spPr bwMode="auto">
-          <a:xfrm flipV="1">
-            <a:off x="2362201" y="3809999"/>
-            <a:ext cx="0" cy="2438400"/>
-          </a:xfrm>
-          <a:prstGeom prst="line">
-            <a:avLst/>
-          </a:prstGeom>
-          <a:noFill/>
-          <a:ln w="38100">
-            <a:solidFill>
-              <a:schemeClr val="tx1"/>
-            </a:solidFill>
-            <a:round/>
-            <a:headEnd/>
-            <a:tailEnd type="triangle" w="med" len="med"/>
-          </a:ln>
-          <a:effectLst/>
-          <a:extLst>
-            <a:ext uri="{909E8E84-426E-40DD-AFC4-6F175D3DCCD1}">
-              <a14:hiddenFill xmlns:a14="http://schemas.microsoft.com/office/drawing/2010/main">
-                <a:noFill/>
-              </a14:hiddenFill>
-            </a:ext>
-            <a:ext uri="{AF507438-7753-43E0-B8FC-AC1667EBCBE1}">
-              <a14:hiddenEffects xmlns:a14="http://schemas.microsoft.com/office/drawing/2010/main">
-                <a:effectLst>
-                  <a:outerShdw dist="35921" dir="2700000" algn="ctr" rotWithShape="0">
-                    <a:schemeClr val="bg2"/>
-                  </a:outerShdw>
-                </a:effectLst>
-              </a14:hiddenEffects>
-            </a:ext>
-          </a:extLst>
-        </p:spPr>
-        <p:txBody>
-          <a:bodyPr wrap="none" anchor="ctr"/>
-          <a:lstStyle/>
-          <a:p>
-            <a:endParaRPr lang="en-US"/>
-          </a:p>
-        </p:txBody>
-      </p:sp>
-      <p:sp>
-        <p:nvSpPr>
-          <p:cNvPr id="10" name="Text Box 11"/>
-          <p:cNvSpPr txBox="1">
-            <a:spLocks noChangeArrowheads="1"/>
-          </p:cNvSpPr>
-          <p:nvPr/>
-        </p:nvSpPr>
-        <p:spPr bwMode="auto">
-          <a:xfrm>
-            <a:off x="5715001" y="6015037"/>
-            <a:ext cx="979488" cy="461963"/>
-          </a:xfrm>
-          <a:prstGeom prst="rect">
-            <a:avLst/>
-          </a:prstGeom>
-          <a:solidFill>
-            <a:srgbClr val="C0C0C0"/>
-          </a:solidFill>
-          <a:ln w="9525">
-            <a:solidFill>
-              <a:schemeClr val="tx1"/>
-            </a:solidFill>
-            <a:miter lim="800000"/>
-            <a:headEnd/>
-            <a:tailEnd/>
-          </a:ln>
-          <a:effectLst/>
-          <a:extLst>
-            <a:ext uri="{AF507438-7753-43E0-B8FC-AC1667EBCBE1}">
-              <a14:hiddenEffects xmlns:a14="http://schemas.microsoft.com/office/drawing/2010/main">
-                <a:effectLst>
-                  <a:outerShdw dist="35921" dir="2700000" algn="ctr" rotWithShape="0">
-                    <a:schemeClr val="bg2"/>
-                  </a:outerShdw>
-                </a:effectLst>
-              </a14:hiddenEffects>
-            </a:ext>
-          </a:extLst>
-        </p:spPr>
-        <p:txBody>
-          <a:bodyPr wrap="none">
-            <a:spAutoFit/>
-          </a:bodyPr>
-          <a:lstStyle/>
-          <a:p>
-            <a:pPr algn="l"/>
-            <a:r>
-              <a:rPr lang="en-US" altLang="en-US" sz="2400" dirty="0" smtClean="0">
-                <a:solidFill>
-                  <a:srgbClr val="3333FF"/>
-                </a:solidFill>
-              </a:rPr>
-              <a:t>Sports</a:t>
-            </a:r>
-            <a:endParaRPr lang="en-US" altLang="en-US" sz="2400" dirty="0">
-              <a:solidFill>
-                <a:srgbClr val="008000"/>
-              </a:solidFill>
-            </a:endParaRPr>
-          </a:p>
-        </p:txBody>
-      </p:sp>
-      <p:sp>
-        <p:nvSpPr>
-          <p:cNvPr id="12" name="Text Box 13"/>
-          <p:cNvSpPr txBox="1">
-            <a:spLocks noChangeArrowheads="1"/>
-          </p:cNvSpPr>
-          <p:nvPr/>
-        </p:nvSpPr>
-        <p:spPr bwMode="auto">
-          <a:xfrm>
-            <a:off x="2514601" y="3505199"/>
-            <a:ext cx="992188" cy="400050"/>
-          </a:xfrm>
-          <a:prstGeom prst="rect">
-            <a:avLst/>
-          </a:prstGeom>
-          <a:solidFill>
-            <a:srgbClr val="C0C0C0"/>
-          </a:solidFill>
-          <a:ln w="9525">
-            <a:solidFill>
-              <a:schemeClr val="tx1"/>
-            </a:solidFill>
-            <a:miter lim="800000"/>
-            <a:headEnd/>
-            <a:tailEnd/>
-          </a:ln>
-          <a:effectLst/>
-          <a:extLst>
-            <a:ext uri="{AF507438-7753-43E0-B8FC-AC1667EBCBE1}">
-              <a14:hiddenEffects xmlns:a14="http://schemas.microsoft.com/office/drawing/2010/main">
-                <a:effectLst>
-                  <a:outerShdw dist="35921" dir="2700000" algn="ctr" rotWithShape="0">
-                    <a:schemeClr val="bg2"/>
-                  </a:outerShdw>
-                </a:effectLst>
-              </a14:hiddenEffects>
-            </a:ext>
-          </a:extLst>
-        </p:spPr>
-        <p:txBody>
-          <a:bodyPr wrap="none">
-            <a:spAutoFit/>
-          </a:bodyPr>
-          <a:lstStyle/>
-          <a:p>
-            <a:r>
-              <a:rPr lang="en-US" altLang="en-US" sz="2000" dirty="0" smtClean="0">
-                <a:solidFill>
-                  <a:srgbClr val="CC0000"/>
-                </a:solidFill>
-              </a:rPr>
-              <a:t>Finance</a:t>
-            </a:r>
-            <a:endParaRPr lang="en-US" altLang="en-US" sz="2400" dirty="0">
-              <a:solidFill>
-                <a:srgbClr val="CC0000"/>
-              </a:solidFill>
-            </a:endParaRPr>
-          </a:p>
-        </p:txBody>
-      </p:sp>
-      <p:sp>
-        <p:nvSpPr>
-          <p:cNvPr id="14" name="Line 10"/>
-          <p:cNvSpPr>
-            <a:spLocks noChangeShapeType="1"/>
-          </p:cNvSpPr>
-          <p:nvPr/>
-        </p:nvSpPr>
-        <p:spPr bwMode="auto">
-          <a:xfrm flipV="1">
-            <a:off x="2362200" y="4286250"/>
-            <a:ext cx="3276601" cy="1962150"/>
-          </a:xfrm>
-          <a:prstGeom prst="line">
-            <a:avLst/>
-          </a:prstGeom>
-          <a:noFill/>
-          <a:ln w="38100">
-            <a:solidFill>
-              <a:schemeClr val="tx1"/>
-            </a:solidFill>
-            <a:prstDash val="dashDot"/>
-            <a:round/>
-            <a:headEnd/>
-            <a:tailEnd type="triangle" w="med" len="med"/>
-          </a:ln>
-          <a:effectLst/>
-          <a:extLst>
-            <a:ext uri="{909E8E84-426E-40DD-AFC4-6F175D3DCCD1}">
-              <a14:hiddenFill xmlns:a14="http://schemas.microsoft.com/office/drawing/2010/main">
-                <a:noFill/>
-              </a14:hiddenFill>
-            </a:ext>
-            <a:ext uri="{AF507438-7753-43E0-B8FC-AC1667EBCBE1}">
-              <a14:hiddenEffects xmlns:a14="http://schemas.microsoft.com/office/drawing/2010/main">
-                <a:effectLst>
-                  <a:outerShdw dist="35921" dir="2700000" algn="ctr" rotWithShape="0">
-                    <a:schemeClr val="bg2"/>
-                  </a:outerShdw>
-                </a:effectLst>
-              </a14:hiddenEffects>
-            </a:ext>
-          </a:extLst>
-        </p:spPr>
-        <p:txBody>
-          <a:bodyPr wrap="none" anchor="ctr"/>
-          <a:lstStyle/>
-          <a:p>
-            <a:endParaRPr lang="en-US"/>
-          </a:p>
-        </p:txBody>
-      </p:sp>
-      <p:sp>
-        <p:nvSpPr>
-          <p:cNvPr id="15" name="Text Box 22"/>
-          <p:cNvSpPr txBox="1">
-            <a:spLocks noChangeArrowheads="1"/>
-          </p:cNvSpPr>
-          <p:nvPr/>
-        </p:nvSpPr>
-        <p:spPr bwMode="auto">
-          <a:xfrm>
-            <a:off x="5153025" y="3977481"/>
-            <a:ext cx="409575" cy="369888"/>
-          </a:xfrm>
-          <a:prstGeom prst="rect">
-            <a:avLst/>
-          </a:prstGeom>
-          <a:noFill/>
-          <a:ln>
-            <a:noFill/>
-          </a:ln>
-          <a:effectLst/>
-          <a:extLst>
-            <a:ext uri="{909E8E84-426E-40DD-AFC4-6F175D3DCCD1}">
-              <a14:hiddenFill xmlns:a14="http://schemas.microsoft.com/office/drawing/2010/main">
-                <a:solidFill>
-                  <a:schemeClr val="accent1"/>
-                </a:solidFill>
-              </a14:hiddenFill>
-            </a:ext>
-            <a:ext uri="{91240B29-F687-4F45-9708-019B960494DF}">
-              <a14:hiddenLine xmlns:a14="http://schemas.microsoft.com/office/drawing/2010/main" w="9525">
-                <a:solidFill>
-                  <a:schemeClr val="tx1"/>
-                </a:solidFill>
-                <a:miter lim="800000"/>
-                <a:headEnd/>
-                <a:tailEnd/>
-              </a14:hiddenLine>
-            </a:ext>
-            <a:ext uri="{AF507438-7753-43E0-B8FC-AC1667EBCBE1}">
-              <a14:hiddenEffects xmlns:a14="http://schemas.microsoft.com/office/drawing/2010/main">
-                <a:effectLst>
-                  <a:outerShdw dist="35921" dir="2700000" algn="ctr" rotWithShape="0">
-                    <a:schemeClr val="bg2"/>
-                  </a:outerShdw>
-                </a:effectLst>
-              </a14:hiddenEffects>
-            </a:ext>
-          </a:extLst>
-        </p:spPr>
-        <p:txBody>
-          <a:bodyPr wrap="none">
-            <a:spAutoFit/>
-          </a:bodyPr>
-          <a:lstStyle/>
-          <a:p>
-            <a:pPr algn="l"/>
-            <a:r>
-              <a:rPr lang="en-US" altLang="en-US" sz="1800" b="1" dirty="0" smtClean="0"/>
-              <a:t>D</a:t>
-            </a:r>
-            <a:r>
-              <a:rPr lang="en-US" altLang="en-US" sz="1800" b="1" baseline="-25000" dirty="0" smtClean="0"/>
-              <a:t>1</a:t>
-            </a:r>
-            <a:endParaRPr lang="en-US" altLang="en-US" sz="2400" dirty="0"/>
-          </a:p>
-        </p:txBody>
-      </p:sp>
-      <p:sp>
-        <p:nvSpPr>
-          <p:cNvPr id="18" name="Line 7"/>
-          <p:cNvSpPr>
-            <a:spLocks noChangeShapeType="1"/>
-          </p:cNvSpPr>
-          <p:nvPr/>
-        </p:nvSpPr>
-        <p:spPr bwMode="auto">
-          <a:xfrm flipV="1">
-            <a:off x="2362201" y="5181598"/>
-            <a:ext cx="152400" cy="1066801"/>
-          </a:xfrm>
-          <a:prstGeom prst="line">
-            <a:avLst/>
-          </a:prstGeom>
-          <a:noFill/>
-          <a:ln w="38100">
-            <a:solidFill>
-              <a:schemeClr val="tx1"/>
-            </a:solidFill>
-            <a:prstDash val="dashDot"/>
-            <a:round/>
-            <a:headEnd/>
-            <a:tailEnd type="triangle" w="med" len="med"/>
-          </a:ln>
-          <a:effectLst/>
-          <a:extLst>
-            <a:ext uri="{909E8E84-426E-40DD-AFC4-6F175D3DCCD1}">
-              <a14:hiddenFill xmlns:a14="http://schemas.microsoft.com/office/drawing/2010/main">
-                <a:noFill/>
-              </a14:hiddenFill>
-            </a:ext>
-            <a:ext uri="{AF507438-7753-43E0-B8FC-AC1667EBCBE1}">
-              <a14:hiddenEffects xmlns:a14="http://schemas.microsoft.com/office/drawing/2010/main">
-                <a:effectLst>
-                  <a:outerShdw dist="35921" dir="2700000" algn="ctr" rotWithShape="0">
-                    <a:schemeClr val="bg2"/>
-                  </a:outerShdw>
-                </a:effectLst>
-              </a14:hiddenEffects>
-            </a:ext>
-          </a:extLst>
-        </p:spPr>
-        <p:txBody>
-          <a:bodyPr wrap="none" anchor="ctr"/>
-          <a:lstStyle/>
-          <a:p>
-            <a:endParaRPr lang="en-US"/>
-          </a:p>
-        </p:txBody>
-      </p:sp>
-      <p:sp>
-        <p:nvSpPr>
-          <p:cNvPr id="19" name="Text Box 14"/>
-          <p:cNvSpPr txBox="1">
-            <a:spLocks noChangeArrowheads="1"/>
-          </p:cNvSpPr>
-          <p:nvPr/>
-        </p:nvSpPr>
-        <p:spPr bwMode="auto">
-          <a:xfrm>
-            <a:off x="2520950" y="4950618"/>
-            <a:ext cx="425450" cy="366713"/>
-          </a:xfrm>
-          <a:prstGeom prst="rect">
-            <a:avLst/>
-          </a:prstGeom>
-          <a:noFill/>
-          <a:ln>
-            <a:noFill/>
-          </a:ln>
-          <a:effectLst/>
-          <a:extLst>
-            <a:ext uri="{909E8E84-426E-40DD-AFC4-6F175D3DCCD1}">
-              <a14:hiddenFill xmlns:a14="http://schemas.microsoft.com/office/drawing/2010/main">
-                <a:solidFill>
-                  <a:schemeClr val="accent1"/>
-                </a:solidFill>
-              </a14:hiddenFill>
-            </a:ext>
-            <a:ext uri="{91240B29-F687-4F45-9708-019B960494DF}">
-              <a14:hiddenLine xmlns:a14="http://schemas.microsoft.com/office/drawing/2010/main" w="9525">
-                <a:solidFill>
-                  <a:schemeClr val="tx1"/>
-                </a:solidFill>
-                <a:miter lim="800000"/>
-                <a:headEnd/>
-                <a:tailEnd/>
-              </a14:hiddenLine>
-            </a:ext>
-            <a:ext uri="{AF507438-7753-43E0-B8FC-AC1667EBCBE1}">
-              <a14:hiddenEffects xmlns:a14="http://schemas.microsoft.com/office/drawing/2010/main">
-                <a:effectLst>
-                  <a:outerShdw dist="35921" dir="2700000" algn="ctr" rotWithShape="0">
-                    <a:schemeClr val="bg2"/>
-                  </a:outerShdw>
-                </a:effectLst>
-              </a14:hiddenEffects>
-            </a:ext>
-          </a:extLst>
-        </p:spPr>
-        <p:txBody>
-          <a:bodyPr wrap="none">
-            <a:spAutoFit/>
-          </a:bodyPr>
-          <a:lstStyle/>
-          <a:p>
-            <a:pPr algn="l"/>
-            <a:r>
-              <a:rPr lang="en-US" altLang="en-US" sz="1800" b="1" dirty="0"/>
-              <a:t>D</a:t>
-            </a:r>
-            <a:r>
-              <a:rPr lang="en-US" altLang="en-US" sz="1800" b="1" baseline="-25000" dirty="0"/>
-              <a:t>2</a:t>
-            </a:r>
-            <a:endParaRPr lang="en-US" altLang="en-US" sz="2400" dirty="0"/>
-          </a:p>
-        </p:txBody>
-      </p:sp>
-      <p:sp>
-        <p:nvSpPr>
-          <p:cNvPr id="28" name="Line 39"/>
-          <p:cNvSpPr>
-            <a:spLocks noChangeShapeType="1"/>
-          </p:cNvSpPr>
-          <p:nvPr/>
-        </p:nvSpPr>
-        <p:spPr bwMode="auto">
-          <a:xfrm flipV="1">
-            <a:off x="2362200" y="5981699"/>
-            <a:ext cx="1143000" cy="266700"/>
-          </a:xfrm>
-          <a:prstGeom prst="line">
-            <a:avLst/>
-          </a:prstGeom>
-          <a:noFill/>
-          <a:ln w="38100">
-            <a:solidFill>
-              <a:srgbClr val="FF0000"/>
-            </a:solidFill>
-            <a:prstDash val="dashDot"/>
-            <a:round/>
-            <a:headEnd/>
-            <a:tailEnd type="triangle" w="med" len="med"/>
-          </a:ln>
-          <a:effectLst/>
-          <a:extLst>
-            <a:ext uri="{909E8E84-426E-40DD-AFC4-6F175D3DCCD1}">
-              <a14:hiddenFill xmlns:a14="http://schemas.microsoft.com/office/drawing/2010/main">
-                <a:noFill/>
-              </a14:hiddenFill>
-            </a:ext>
-            <a:ext uri="{AF507438-7753-43E0-B8FC-AC1667EBCBE1}">
-              <a14:hiddenEffects xmlns:a14="http://schemas.microsoft.com/office/drawing/2010/main">
-                <a:effectLst>
-                  <a:outerShdw dist="35921" dir="2700000" algn="ctr" rotWithShape="0">
-                    <a:schemeClr val="bg2"/>
-                  </a:outerShdw>
-                </a:effectLst>
-              </a14:hiddenEffects>
-            </a:ext>
-          </a:extLst>
-        </p:spPr>
-        <p:txBody>
-          <a:bodyPr wrap="none" anchor="ctr"/>
-          <a:lstStyle/>
-          <a:p>
-            <a:endParaRPr lang="en-US"/>
-          </a:p>
-        </p:txBody>
-      </p:sp>
-      <p:sp>
-        <p:nvSpPr>
-          <p:cNvPr id="29" name="Rectangle 40"/>
-          <p:cNvSpPr>
-            <a:spLocks noChangeArrowheads="1"/>
-          </p:cNvSpPr>
-          <p:nvPr/>
-        </p:nvSpPr>
-        <p:spPr bwMode="auto">
-          <a:xfrm>
-            <a:off x="3505200" y="5815010"/>
-            <a:ext cx="806450" cy="366713"/>
-          </a:xfrm>
-          <a:prstGeom prst="rect">
-            <a:avLst/>
-          </a:prstGeom>
-          <a:noFill/>
-          <a:ln>
-            <a:noFill/>
-          </a:ln>
-          <a:effectLst/>
-          <a:extLst>
-            <a:ext uri="{909E8E84-426E-40DD-AFC4-6F175D3DCCD1}">
-              <a14:hiddenFill xmlns:a14="http://schemas.microsoft.com/office/drawing/2010/main">
-                <a:solidFill>
-                  <a:schemeClr val="accent1"/>
-                </a:solidFill>
-              </a14:hiddenFill>
-            </a:ext>
-            <a:ext uri="{91240B29-F687-4F45-9708-019B960494DF}">
-              <a14:hiddenLine xmlns:a14="http://schemas.microsoft.com/office/drawing/2010/main" w="9525">
-                <a:solidFill>
-                  <a:schemeClr val="tx1"/>
-                </a:solidFill>
-                <a:miter lim="800000"/>
-                <a:headEnd/>
-                <a:tailEnd/>
-              </a14:hiddenLine>
-            </a:ext>
-            <a:ext uri="{AF507438-7753-43E0-B8FC-AC1667EBCBE1}">
-              <a14:hiddenEffects xmlns:a14="http://schemas.microsoft.com/office/drawing/2010/main">
-                <a:effectLst>
-                  <a:outerShdw dist="35921" dir="2700000" algn="ctr" rotWithShape="0">
-                    <a:schemeClr val="bg2"/>
-                  </a:outerShdw>
-                </a:effectLst>
-              </a14:hiddenEffects>
-            </a:ext>
-          </a:extLst>
-        </p:spPr>
-        <p:txBody>
-          <a:bodyPr wrap="none">
-            <a:spAutoFit/>
-          </a:bodyPr>
-          <a:lstStyle/>
-          <a:p>
-            <a:r>
-              <a:rPr lang="en-US" altLang="en-US" sz="1800" b="1" dirty="0">
-                <a:solidFill>
-                  <a:srgbClr val="CC0000"/>
-                </a:solidFill>
-              </a:rPr>
-              <a:t>Query</a:t>
-            </a:r>
-            <a:endParaRPr lang="en-US" altLang="en-US" sz="1800" b="1" baseline="-25000" dirty="0">
-              <a:solidFill>
-                <a:srgbClr val="CC0000"/>
-              </a:solidFill>
-            </a:endParaRPr>
-          </a:p>
-        </p:txBody>
-      </p:sp>
-      <p:sp>
-        <p:nvSpPr>
-          <p:cNvPr id="32" name="TextBox 31"/>
-          <p:cNvSpPr txBox="1"/>
-          <p:nvPr/>
-        </p:nvSpPr>
-        <p:spPr>
-          <a:xfrm>
-            <a:off x="5381627" y="3370301"/>
-            <a:ext cx="1981199" cy="369332"/>
-          </a:xfrm>
-          <a:prstGeom prst="rect">
-            <a:avLst/>
-          </a:prstGeom>
-          <a:noFill/>
-        </p:spPr>
-        <p:txBody>
-          <a:bodyPr wrap="square" rtlCol="0">
-            <a:spAutoFit/>
-          </a:bodyPr>
-          <a:lstStyle/>
-          <a:p>
-            <a:r>
-              <a:rPr lang="en-US" b="1" dirty="0" smtClean="0">
-                <a:solidFill>
-                  <a:srgbClr val="FF0000"/>
-                </a:solidFill>
-              </a:rPr>
-              <a:t>TF-IDF space</a:t>
-            </a:r>
-            <a:endParaRPr lang="en-US" b="1" dirty="0">
-              <a:solidFill>
-                <a:srgbClr val="FF0000"/>
-              </a:solidFill>
-            </a:endParaRPr>
-          </a:p>
-        </p:txBody>
-      </p:sp>
-      <p:sp>
-        <p:nvSpPr>
-          <p:cNvPr id="33" name="Arc 32"/>
-          <p:cNvSpPr/>
-          <p:nvPr/>
-        </p:nvSpPr>
-        <p:spPr>
-          <a:xfrm>
-            <a:off x="4645026" y="3543300"/>
-            <a:ext cx="1425575" cy="742950"/>
-          </a:xfrm>
-          <a:prstGeom prst="arc">
-            <a:avLst>
-              <a:gd name="adj1" fmla="val 10990793"/>
-              <a:gd name="adj2" fmla="val 16848341"/>
-            </a:avLst>
-          </a:prstGeom>
-          <a:ln w="19050">
-            <a:solidFill>
-              <a:srgbClr val="FF0000"/>
-            </a:solidFill>
-            <a:headEnd type="arrow" w="med" len="med"/>
-            <a:tailEnd type="none" w="med" len="med"/>
-          </a:ln>
-        </p:spPr>
-        <p:style>
-          <a:lnRef idx="1">
-            <a:schemeClr val="accent1"/>
-          </a:lnRef>
-          <a:fillRef idx="0">
-            <a:schemeClr val="accent1"/>
-          </a:fillRef>
-          <a:effectRef idx="0">
-            <a:schemeClr val="accent1"/>
-          </a:effectRef>
-          <a:fontRef idx="minor">
-            <a:schemeClr val="tx1"/>
-          </a:fontRef>
-        </p:style>
-        <p:txBody>
-          <a:bodyPr rtlCol="0" anchor="ctr"/>
-          <a:lstStyle/>
-          <a:p>
-            <a:pPr algn="ctr"/>
-            <a:endParaRPr lang="en-US"/>
-          </a:p>
-        </p:txBody>
-      </p:sp>
-      <p:sp>
-        <p:nvSpPr>
-          <p:cNvPr id="34" name="Arc 33"/>
-          <p:cNvSpPr/>
-          <p:nvPr/>
-        </p:nvSpPr>
-        <p:spPr>
-          <a:xfrm rot="1304632">
-            <a:off x="2869101" y="5750565"/>
-            <a:ext cx="418305" cy="433389"/>
-          </a:xfrm>
-          <a:prstGeom prst="arc">
-            <a:avLst/>
-          </a:prstGeom>
-          <a:ln w="28575"/>
-        </p:spPr>
-        <p:style>
-          <a:lnRef idx="1">
-            <a:schemeClr val="accent1"/>
-          </a:lnRef>
-          <a:fillRef idx="0">
-            <a:schemeClr val="accent1"/>
-          </a:fillRef>
-          <a:effectRef idx="0">
-            <a:schemeClr val="accent1"/>
-          </a:effectRef>
-          <a:fontRef idx="minor">
-            <a:schemeClr val="tx1"/>
-          </a:fontRef>
-        </p:style>
-        <p:txBody>
-          <a:bodyPr rtlCol="0" anchor="ctr"/>
-          <a:lstStyle/>
-          <a:p>
-            <a:pPr algn="ctr"/>
-            <a:endParaRPr lang="en-US"/>
-          </a:p>
-        </p:txBody>
-      </p:sp>
-      <p:sp>
-        <p:nvSpPr>
-          <p:cNvPr id="35" name="TextBox 34"/>
-          <p:cNvSpPr txBox="1"/>
-          <p:nvPr/>
-        </p:nvSpPr>
-        <p:spPr>
-          <a:xfrm>
-            <a:off x="5659438" y="4192865"/>
-            <a:ext cx="2235200" cy="369332"/>
-          </a:xfrm>
-          <a:prstGeom prst="rect">
-            <a:avLst/>
-          </a:prstGeom>
-          <a:noFill/>
-        </p:spPr>
-        <p:txBody>
-          <a:bodyPr wrap="square" rtlCol="0">
-            <a:spAutoFit/>
-          </a:bodyPr>
-          <a:lstStyle/>
-          <a:p>
-            <a:r>
-              <a:rPr lang="en-US" dirty="0" smtClean="0">
-                <a:solidFill>
-                  <a:schemeClr val="accent5">
-                    <a:lumMod val="50000"/>
-                  </a:schemeClr>
-                </a:solidFill>
-              </a:rPr>
-              <a:t>The choice of angle</a:t>
-            </a:r>
-            <a:endParaRPr lang="en-US" dirty="0">
-              <a:solidFill>
-                <a:schemeClr val="accent5">
-                  <a:lumMod val="50000"/>
-                </a:schemeClr>
-              </a:solidFill>
-            </a:endParaRPr>
-          </a:p>
-        </p:txBody>
-      </p:sp>
-      <p:sp>
-        <p:nvSpPr>
-          <p:cNvPr id="36" name="TextBox 35"/>
-          <p:cNvSpPr txBox="1"/>
-          <p:nvPr/>
-        </p:nvSpPr>
-        <p:spPr>
-          <a:xfrm>
-            <a:off x="2438401" y="4395461"/>
-            <a:ext cx="2235200" cy="646331"/>
-          </a:xfrm>
-          <a:prstGeom prst="rect">
-            <a:avLst/>
-          </a:prstGeom>
-          <a:noFill/>
-        </p:spPr>
-        <p:txBody>
-          <a:bodyPr wrap="square" rtlCol="0">
-            <a:spAutoFit/>
-          </a:bodyPr>
-          <a:lstStyle/>
-          <a:p>
-            <a:r>
-              <a:rPr lang="en-US" dirty="0" smtClean="0">
-                <a:solidFill>
-                  <a:srgbClr val="7030A0"/>
-                </a:solidFill>
-              </a:rPr>
-              <a:t>The choice </a:t>
-            </a:r>
-            <a:r>
-              <a:rPr lang="en-US" dirty="0">
-                <a:solidFill>
-                  <a:srgbClr val="7030A0"/>
-                </a:solidFill>
-              </a:rPr>
-              <a:t>of Euclidean distance</a:t>
-            </a:r>
-          </a:p>
-        </p:txBody>
-      </p:sp>
-      <p:sp>
-        <p:nvSpPr>
-          <p:cNvPr id="4" name="Date Placeholder 3"/>
-          <p:cNvSpPr>
-            <a:spLocks noGrp="1"/>
-          </p:cNvSpPr>
-          <p:nvPr>
-            <p:ph type="dt" sz="half" idx="10"/>
-          </p:nvPr>
-        </p:nvSpPr>
-        <p:spPr/>
-        <p:txBody>
-          <a:bodyPr/>
-          <a:lstStyle/>
-          <a:p>
-            <a:r>
-              <a:rPr lang="en-US" smtClean="0"/>
-              <a:t>CS@UVa</a:t>
-            </a:r>
-            <a:endParaRPr lang="en-US"/>
-          </a:p>
-        </p:txBody>
-      </p:sp>
-      <p:sp>
-        <p:nvSpPr>
-          <p:cNvPr id="5" name="Footer Placeholder 4"/>
-          <p:cNvSpPr>
-            <a:spLocks noGrp="1"/>
-          </p:cNvSpPr>
-          <p:nvPr>
-            <p:ph type="ftr" sz="quarter" idx="11"/>
-          </p:nvPr>
-        </p:nvSpPr>
-        <p:spPr/>
-        <p:txBody>
-          <a:bodyPr/>
-          <a:lstStyle/>
-          <a:p>
-            <a:r>
-              <a:rPr lang="en-US" smtClean="0"/>
-              <a:t>CS 6501: Information Retrieval</a:t>
-            </a:r>
-            <a:endParaRPr lang="en-US"/>
-          </a:p>
-        </p:txBody>
-      </p:sp>
-      <p:sp>
-        <p:nvSpPr>
-          <p:cNvPr id="6" name="Slide Number Placeholder 5"/>
-          <p:cNvSpPr>
-            <a:spLocks noGrp="1"/>
-          </p:cNvSpPr>
-          <p:nvPr>
-            <p:ph type="sldNum" sz="quarter" idx="12"/>
-          </p:nvPr>
-        </p:nvSpPr>
-        <p:spPr/>
-        <p:txBody>
-          <a:bodyPr/>
-          <a:lstStyle/>
-          <a:p>
-            <a:fld id="{2A9F8BE9-47C8-4C45-B88F-68A848B0515F}" type="slidenum">
-              <a:rPr lang="en-US" smtClean="0"/>
-              <a:t>29</a:t>
-            </a:fld>
-            <a:endParaRPr lang="en-US"/>
-          </a:p>
-        </p:txBody>
-      </p:sp>
-    </p:spTree>
-    <p:extLst>
-      <p:ext uri="{BB962C8B-B14F-4D97-AF65-F5344CB8AC3E}">
-        <p14:creationId xmlns:p14="http://schemas.microsoft.com/office/powerpoint/2010/main" val="265862850"/>
-      </p:ext>
-    </p:extLst>
-  </p:cSld>
-  <p:clrMapOvr>
-    <a:masterClrMapping/>
-  </p:clrMapOvr>
-  <p:timing>
-    <p:tnLst>
-      <p:par>
-        <p:cTn id="1" dur="indefinite" restart="never" nodeType="tmRoot">
-          <p:childTnLst>
-            <p:seq concurrent="1" nextAc="seek">
-              <p:cTn id="2" dur="indefinite" nodeType="mainSeq">
-                <p:childTnLst>
-                  <p:par>
-                    <p:cTn id="3" fill="hold">
-                      <p:stCondLst>
-                        <p:cond delay="indefinite"/>
-                      </p:stCondLst>
-                      <p:childTnLst>
-                        <p:par>
-                          <p:cTn id="4" fill="hold">
-                            <p:stCondLst>
-                              <p:cond delay="0"/>
-                            </p:stCondLst>
-                            <p:childTnLst>
-                              <p:par>
-                                <p:cTn id="5" presetID="1" presetClass="entr" presetSubtype="0" fill="hold" grpId="0" nodeType="clickEffect">
-                                  <p:stCondLst>
-                                    <p:cond delay="0"/>
-                                  </p:stCondLst>
-                                  <p:childTnLst>
-                                    <p:set>
-                                      <p:cBhvr>
-                                        <p:cTn id="6" dur="1" fill="hold">
-                                          <p:stCondLst>
-                                            <p:cond delay="0"/>
-                                          </p:stCondLst>
-                                        </p:cTn>
-                                        <p:tgtEl>
-                                          <p:spTgt spid="36"/>
-                                        </p:tgtEl>
-                                        <p:attrNameLst>
-                                          <p:attrName>style.visibility</p:attrName>
-                                        </p:attrNameLst>
-                                      </p:cBhvr>
-                                      <p:to>
-                                        <p:strVal val="visible"/>
-                                      </p:to>
-                                    </p:set>
-                                  </p:childTnLst>
-                                </p:cTn>
-                              </p:par>
-                            </p:childTnLst>
-                          </p:cTn>
-                        </p:par>
-                      </p:childTnLst>
-                    </p:cTn>
-                  </p:par>
-                  <p:par>
-                    <p:cTn id="7" fill="hold">
-                      <p:stCondLst>
-                        <p:cond delay="indefinite"/>
-                      </p:stCondLst>
-                      <p:childTnLst>
-                        <p:par>
-                          <p:cTn id="8" fill="hold">
-                            <p:stCondLst>
-                              <p:cond delay="0"/>
-                            </p:stCondLst>
-                            <p:childTnLst>
-                              <p:par>
-                                <p:cTn id="9" presetID="1" presetClass="entr" presetSubtype="0" fill="hold" grpId="0" nodeType="clickEffect">
-                                  <p:stCondLst>
-                                    <p:cond delay="0"/>
-                                  </p:stCondLst>
-                                  <p:childTnLst>
-                                    <p:set>
-                                      <p:cBhvr>
-                                        <p:cTn id="10" dur="1" fill="hold">
-                                          <p:stCondLst>
-                                            <p:cond delay="0"/>
-                                          </p:stCondLst>
-                                        </p:cTn>
-                                        <p:tgtEl>
-                                          <p:spTgt spid="35"/>
-                                        </p:tgtEl>
-                                        <p:attrNameLst>
-                                          <p:attrName>style.visibility</p:attrName>
-                                        </p:attrNameLst>
-                                      </p:cBhvr>
-                                      <p:to>
-                                        <p:strVal val="visible"/>
-                                      </p:to>
-                                    </p:set>
-                                  </p:childTnLst>
-                                </p:cTn>
-                              </p:par>
-                            </p:childTnLst>
-                          </p:cTn>
-                        </p:par>
-                      </p:childTnLst>
-                    </p:cTn>
-                  </p:par>
-                  <p:par>
-                    <p:cTn id="11" fill="hold">
-                      <p:stCondLst>
-                        <p:cond delay="indefinite"/>
-                      </p:stCondLst>
-                      <p:childTnLst>
-                        <p:par>
-                          <p:cTn id="12" fill="hold">
-                            <p:stCondLst>
-                              <p:cond delay="0"/>
-                            </p:stCondLst>
-                            <p:childTnLst>
-                              <p:par>
-                                <p:cTn id="13" presetID="1" presetClass="entr" presetSubtype="0" fill="hold" grpId="0" nodeType="clickEffect">
-                                  <p:stCondLst>
-                                    <p:cond delay="0"/>
-                                  </p:stCondLst>
-                                  <p:childTnLst>
-                                    <p:set>
-                                      <p:cBhvr>
-                                        <p:cTn id="14" dur="1" fill="hold">
-                                          <p:stCondLst>
-                                            <p:cond delay="0"/>
-                                          </p:stCondLst>
-                                        </p:cTn>
-                                        <p:tgtEl>
-                                          <p:spTgt spid="34"/>
-                                        </p:tgtEl>
-                                        <p:attrNameLst>
-                                          <p:attrName>style.visibility</p:attrName>
-                                        </p:attrNameLst>
-                                      </p:cBhvr>
-                                      <p:to>
-                                        <p:strVal val="visible"/>
-                                      </p:to>
-                                    </p:set>
-                                  </p:childTnLst>
-                                </p:cTn>
-                              </p:par>
-                            </p:childTnLst>
-                          </p:cTn>
-                        </p:par>
-                      </p:childTnLst>
-                    </p:cTn>
-                  </p:par>
-                  <p:par>
-                    <p:cTn id="15" fill="hold">
-                      <p:stCondLst>
-                        <p:cond delay="indefinite"/>
-                      </p:stCondLst>
-                      <p:childTnLst>
-                        <p:par>
-                          <p:cTn id="16" fill="hold">
-                            <p:stCondLst>
-                              <p:cond delay="0"/>
-                            </p:stCondLst>
-                            <p:childTnLst>
-                              <p:par>
-                                <p:cTn id="17" presetID="1" presetClass="entr" presetSubtype="0" fill="hold" grpId="0" nodeType="clickEffect">
-                                  <p:stCondLst>
-                                    <p:cond delay="0"/>
-                                  </p:stCondLst>
-                                  <p:childTnLst>
-                                    <p:set>
-                                      <p:cBhvr>
-                                        <p:cTn id="18" dur="1" fill="hold">
-                                          <p:stCondLst>
-                                            <p:cond delay="0"/>
-                                          </p:stCondLst>
-                                        </p:cTn>
-                                        <p:tgtEl>
-                                          <p:spTgt spid="3">
-                                            <p:txEl>
-                                              <p:pRg st="0" end="0"/>
-                                            </p:txEl>
-                                          </p:spTgt>
-                                        </p:tgtEl>
-                                        <p:attrNameLst>
-                                          <p:attrName>style.visibility</p:attrName>
-                                        </p:attrNameLst>
-                                      </p:cBhvr>
-                                      <p:to>
-                                        <p:strVal val="visible"/>
-                                      </p:to>
-                                    </p:set>
-                                  </p:childTnLst>
-                                </p:cTn>
-                              </p:par>
-                              <p:par>
-                                <p:cTn id="19" presetID="1" presetClass="entr" presetSubtype="0" fill="hold" grpId="0" nodeType="withEffect">
-                                  <p:stCondLst>
-                                    <p:cond delay="0"/>
-                                  </p:stCondLst>
-                                  <p:childTnLst>
-                                    <p:set>
-                                      <p:cBhvr>
-                                        <p:cTn id="20" dur="1" fill="hold">
-                                          <p:stCondLst>
-                                            <p:cond delay="0"/>
-                                          </p:stCondLst>
-                                        </p:cTn>
-                                        <p:tgtEl>
-                                          <p:spTgt spid="3">
-                                            <p:txEl>
-                                              <p:pRg st="1" end="1"/>
-                                            </p:txEl>
-                                          </p:spTgt>
-                                        </p:tgtEl>
-                                        <p:attrNameLst>
-                                          <p:attrName>style.visibility</p:attrName>
-                                        </p:attrNameLst>
-                                      </p:cBhvr>
-                                      <p:to>
-                                        <p:strVal val="visible"/>
-                                      </p:to>
-                                    </p:set>
-                                  </p:childTnLst>
-                                </p:cTn>
-                              </p:par>
-                            </p:childTnLst>
-                          </p:cTn>
-                        </p:par>
-                      </p:childTnLst>
-                    </p:cTn>
-                  </p:par>
-                </p:childTnLst>
-              </p:cTn>
-              <p:prevCondLst>
-                <p:cond evt="onPrev" delay="0">
-                  <p:tgtEl>
-                    <p:sldTgt/>
-                  </p:tgtEl>
-                </p:cond>
-              </p:prevCondLst>
-              <p:nextCondLst>
-                <p:cond evt="onNext" delay="0">
-                  <p:tgtEl>
-                    <p:sldTgt/>
-                  </p:tgtEl>
-                </p:cond>
-              </p:nextCondLst>
-            </p:seq>
-          </p:childTnLst>
-        </p:cTn>
-      </p:par>
-    </p:tnLst>
-    <p:bldLst>
-      <p:bldP spid="3" grpId="0" build="p"/>
-      <p:bldP spid="34" grpId="0" animBg="1"/>
-      <p:bldP spid="35" grpId="0"/>
-      <p:bldP spid="36" grpId="0"/>
-    </p:bldLst>
-  </p:timing>
-</p:sld>
-</file>
-
 <file path=ppt/slides/slide3.xml><?xml version="1.0" encoding="utf-8"?>
 <p:sld xmlns:a="http://schemas.openxmlformats.org/drawingml/2006/main" xmlns:r="http://schemas.openxmlformats.org/officeDocument/2006/relationships" xmlns:p="http://schemas.openxmlformats.org/presentationml/2006/main">
   <p:cSld>
@@ -23479,7 +22786,7 @@
           <a:p>
             <a:r>
               <a:rPr lang="en-US" smtClean="0"/>
-              <a:t>CS 6501: Information Retrieval</a:t>
+              <a:t>CS 4501: Information Retrieval</a:t>
             </a:r>
             <a:endParaRPr lang="en-US"/>
           </a:p>
@@ -23787,6 +23094,1210 @@
 </file>
 
 <file path=ppt/slides/slide30.xml><?xml version="1.0" encoding="utf-8"?>
+<p:sld xmlns:a="http://schemas.openxmlformats.org/drawingml/2006/main" xmlns:r="http://schemas.openxmlformats.org/officeDocument/2006/relationships" xmlns:p="http://schemas.openxmlformats.org/presentationml/2006/main">
+  <p:cSld>
+    <p:spTree>
+      <p:nvGrpSpPr>
+        <p:cNvPr id="1" name=""/>
+        <p:cNvGrpSpPr/>
+        <p:nvPr/>
+      </p:nvGrpSpPr>
+      <p:grpSpPr>
+        <a:xfrm>
+          <a:off x="0" y="0"/>
+          <a:ext cx="0" cy="0"/>
+          <a:chOff x="0" y="0"/>
+          <a:chExt cx="0" cy="0"/>
+        </a:xfrm>
+      </p:grpSpPr>
+      <p:sp>
+        <p:nvSpPr>
+          <p:cNvPr id="2" name="Title 1"/>
+          <p:cNvSpPr>
+            <a:spLocks noGrp="1"/>
+          </p:cNvSpPr>
+          <p:nvPr>
+            <p:ph type="title"/>
+          </p:nvPr>
+        </p:nvSpPr>
+        <p:spPr/>
+        <p:txBody>
+          <a:bodyPr/>
+          <a:lstStyle/>
+          <a:p>
+            <a:r>
+              <a:rPr lang="en-US" dirty="0" smtClean="0"/>
+              <a:t>From distance to angle</a:t>
+            </a:r>
+            <a:endParaRPr lang="en-US" dirty="0"/>
+          </a:p>
+        </p:txBody>
+      </p:sp>
+      <p:sp>
+        <p:nvSpPr>
+          <p:cNvPr id="3" name="Content Placeholder 2"/>
+          <p:cNvSpPr>
+            <a:spLocks noGrp="1"/>
+          </p:cNvSpPr>
+          <p:nvPr>
+            <p:ph idx="1"/>
+          </p:nvPr>
+        </p:nvSpPr>
+        <p:spPr/>
+        <p:txBody>
+          <a:bodyPr/>
+          <a:lstStyle/>
+          <a:p>
+            <a:r>
+              <a:rPr lang="en-US" dirty="0" smtClean="0"/>
+              <a:t>Angle: how vectors are overlapped</a:t>
+            </a:r>
+          </a:p>
+          <a:p>
+            <a:pPr lvl="1"/>
+            <a:r>
+              <a:rPr lang="en-US" dirty="0" smtClean="0"/>
+              <a:t>Cosine similarity – projection of one vector onto another</a:t>
+            </a:r>
+            <a:endParaRPr lang="en-US" dirty="0"/>
+          </a:p>
+        </p:txBody>
+      </p:sp>
+      <p:sp>
+        <p:nvSpPr>
+          <p:cNvPr id="8" name="Line 5"/>
+          <p:cNvSpPr>
+            <a:spLocks noChangeShapeType="1"/>
+          </p:cNvSpPr>
+          <p:nvPr/>
+        </p:nvSpPr>
+        <p:spPr bwMode="auto">
+          <a:xfrm>
+            <a:off x="2362201" y="6248399"/>
+            <a:ext cx="3276601" cy="0"/>
+          </a:xfrm>
+          <a:prstGeom prst="line">
+            <a:avLst/>
+          </a:prstGeom>
+          <a:noFill/>
+          <a:ln w="38100">
+            <a:solidFill>
+              <a:schemeClr val="tx1"/>
+            </a:solidFill>
+            <a:round/>
+            <a:headEnd/>
+            <a:tailEnd type="triangle" w="med" len="med"/>
+          </a:ln>
+          <a:effectLst/>
+          <a:extLst>
+            <a:ext uri="{909E8E84-426E-40DD-AFC4-6F175D3DCCD1}">
+              <a14:hiddenFill xmlns:a14="http://schemas.microsoft.com/office/drawing/2010/main">
+                <a:noFill/>
+              </a14:hiddenFill>
+            </a:ext>
+            <a:ext uri="{AF507438-7753-43E0-B8FC-AC1667EBCBE1}">
+              <a14:hiddenEffects xmlns:a14="http://schemas.microsoft.com/office/drawing/2010/main">
+                <a:effectLst>
+                  <a:outerShdw dist="35921" dir="2700000" algn="ctr" rotWithShape="0">
+                    <a:schemeClr val="bg2"/>
+                  </a:outerShdw>
+                </a:effectLst>
+              </a14:hiddenEffects>
+            </a:ext>
+          </a:extLst>
+        </p:spPr>
+        <p:txBody>
+          <a:bodyPr wrap="none" anchor="ctr"/>
+          <a:lstStyle/>
+          <a:p>
+            <a:endParaRPr lang="en-US"/>
+          </a:p>
+        </p:txBody>
+      </p:sp>
+      <p:sp>
+        <p:nvSpPr>
+          <p:cNvPr id="9" name="Line 6"/>
+          <p:cNvSpPr>
+            <a:spLocks noChangeShapeType="1"/>
+          </p:cNvSpPr>
+          <p:nvPr/>
+        </p:nvSpPr>
+        <p:spPr bwMode="auto">
+          <a:xfrm flipV="1">
+            <a:off x="2362201" y="3809999"/>
+            <a:ext cx="0" cy="2438400"/>
+          </a:xfrm>
+          <a:prstGeom prst="line">
+            <a:avLst/>
+          </a:prstGeom>
+          <a:noFill/>
+          <a:ln w="38100">
+            <a:solidFill>
+              <a:schemeClr val="tx1"/>
+            </a:solidFill>
+            <a:round/>
+            <a:headEnd/>
+            <a:tailEnd type="triangle" w="med" len="med"/>
+          </a:ln>
+          <a:effectLst/>
+          <a:extLst>
+            <a:ext uri="{909E8E84-426E-40DD-AFC4-6F175D3DCCD1}">
+              <a14:hiddenFill xmlns:a14="http://schemas.microsoft.com/office/drawing/2010/main">
+                <a:noFill/>
+              </a14:hiddenFill>
+            </a:ext>
+            <a:ext uri="{AF507438-7753-43E0-B8FC-AC1667EBCBE1}">
+              <a14:hiddenEffects xmlns:a14="http://schemas.microsoft.com/office/drawing/2010/main">
+                <a:effectLst>
+                  <a:outerShdw dist="35921" dir="2700000" algn="ctr" rotWithShape="0">
+                    <a:schemeClr val="bg2"/>
+                  </a:outerShdw>
+                </a:effectLst>
+              </a14:hiddenEffects>
+            </a:ext>
+          </a:extLst>
+        </p:spPr>
+        <p:txBody>
+          <a:bodyPr wrap="none" anchor="ctr"/>
+          <a:lstStyle/>
+          <a:p>
+            <a:endParaRPr lang="en-US"/>
+          </a:p>
+        </p:txBody>
+      </p:sp>
+      <p:sp>
+        <p:nvSpPr>
+          <p:cNvPr id="10" name="Text Box 11"/>
+          <p:cNvSpPr txBox="1">
+            <a:spLocks noChangeArrowheads="1"/>
+          </p:cNvSpPr>
+          <p:nvPr/>
+        </p:nvSpPr>
+        <p:spPr bwMode="auto">
+          <a:xfrm>
+            <a:off x="5715001" y="6015037"/>
+            <a:ext cx="979488" cy="461963"/>
+          </a:xfrm>
+          <a:prstGeom prst="rect">
+            <a:avLst/>
+          </a:prstGeom>
+          <a:solidFill>
+            <a:srgbClr val="C0C0C0"/>
+          </a:solidFill>
+          <a:ln w="9525">
+            <a:solidFill>
+              <a:schemeClr val="tx1"/>
+            </a:solidFill>
+            <a:miter lim="800000"/>
+            <a:headEnd/>
+            <a:tailEnd/>
+          </a:ln>
+          <a:effectLst/>
+          <a:extLst>
+            <a:ext uri="{AF507438-7753-43E0-B8FC-AC1667EBCBE1}">
+              <a14:hiddenEffects xmlns:a14="http://schemas.microsoft.com/office/drawing/2010/main">
+                <a:effectLst>
+                  <a:outerShdw dist="35921" dir="2700000" algn="ctr" rotWithShape="0">
+                    <a:schemeClr val="bg2"/>
+                  </a:outerShdw>
+                </a:effectLst>
+              </a14:hiddenEffects>
+            </a:ext>
+          </a:extLst>
+        </p:spPr>
+        <p:txBody>
+          <a:bodyPr wrap="none">
+            <a:spAutoFit/>
+          </a:bodyPr>
+          <a:lstStyle/>
+          <a:p>
+            <a:pPr algn="l"/>
+            <a:r>
+              <a:rPr lang="en-US" altLang="en-US" sz="2400" dirty="0" smtClean="0">
+                <a:solidFill>
+                  <a:srgbClr val="3333FF"/>
+                </a:solidFill>
+              </a:rPr>
+              <a:t>Sports</a:t>
+            </a:r>
+            <a:endParaRPr lang="en-US" altLang="en-US" sz="2400" dirty="0">
+              <a:solidFill>
+                <a:srgbClr val="008000"/>
+              </a:solidFill>
+            </a:endParaRPr>
+          </a:p>
+        </p:txBody>
+      </p:sp>
+      <p:sp>
+        <p:nvSpPr>
+          <p:cNvPr id="12" name="Text Box 13"/>
+          <p:cNvSpPr txBox="1">
+            <a:spLocks noChangeArrowheads="1"/>
+          </p:cNvSpPr>
+          <p:nvPr/>
+        </p:nvSpPr>
+        <p:spPr bwMode="auto">
+          <a:xfrm>
+            <a:off x="2514601" y="3505199"/>
+            <a:ext cx="992188" cy="400050"/>
+          </a:xfrm>
+          <a:prstGeom prst="rect">
+            <a:avLst/>
+          </a:prstGeom>
+          <a:solidFill>
+            <a:srgbClr val="C0C0C0"/>
+          </a:solidFill>
+          <a:ln w="9525">
+            <a:solidFill>
+              <a:schemeClr val="tx1"/>
+            </a:solidFill>
+            <a:miter lim="800000"/>
+            <a:headEnd/>
+            <a:tailEnd/>
+          </a:ln>
+          <a:effectLst/>
+          <a:extLst>
+            <a:ext uri="{AF507438-7753-43E0-B8FC-AC1667EBCBE1}">
+              <a14:hiddenEffects xmlns:a14="http://schemas.microsoft.com/office/drawing/2010/main">
+                <a:effectLst>
+                  <a:outerShdw dist="35921" dir="2700000" algn="ctr" rotWithShape="0">
+                    <a:schemeClr val="bg2"/>
+                  </a:outerShdw>
+                </a:effectLst>
+              </a14:hiddenEffects>
+            </a:ext>
+          </a:extLst>
+        </p:spPr>
+        <p:txBody>
+          <a:bodyPr wrap="none">
+            <a:spAutoFit/>
+          </a:bodyPr>
+          <a:lstStyle/>
+          <a:p>
+            <a:r>
+              <a:rPr lang="en-US" altLang="en-US" sz="2000" dirty="0" smtClean="0">
+                <a:solidFill>
+                  <a:srgbClr val="CC0000"/>
+                </a:solidFill>
+              </a:rPr>
+              <a:t>Finance</a:t>
+            </a:r>
+            <a:endParaRPr lang="en-US" altLang="en-US" sz="2400" dirty="0">
+              <a:solidFill>
+                <a:srgbClr val="CC0000"/>
+              </a:solidFill>
+            </a:endParaRPr>
+          </a:p>
+        </p:txBody>
+      </p:sp>
+      <p:sp>
+        <p:nvSpPr>
+          <p:cNvPr id="14" name="Line 10"/>
+          <p:cNvSpPr>
+            <a:spLocks noChangeShapeType="1"/>
+          </p:cNvSpPr>
+          <p:nvPr/>
+        </p:nvSpPr>
+        <p:spPr bwMode="auto">
+          <a:xfrm flipV="1">
+            <a:off x="2362200" y="4286250"/>
+            <a:ext cx="3276601" cy="1962150"/>
+          </a:xfrm>
+          <a:prstGeom prst="line">
+            <a:avLst/>
+          </a:prstGeom>
+          <a:noFill/>
+          <a:ln w="38100">
+            <a:solidFill>
+              <a:schemeClr val="tx1"/>
+            </a:solidFill>
+            <a:prstDash val="dashDot"/>
+            <a:round/>
+            <a:headEnd/>
+            <a:tailEnd type="triangle" w="med" len="med"/>
+          </a:ln>
+          <a:effectLst/>
+          <a:extLst>
+            <a:ext uri="{909E8E84-426E-40DD-AFC4-6F175D3DCCD1}">
+              <a14:hiddenFill xmlns:a14="http://schemas.microsoft.com/office/drawing/2010/main">
+                <a:noFill/>
+              </a14:hiddenFill>
+            </a:ext>
+            <a:ext uri="{AF507438-7753-43E0-B8FC-AC1667EBCBE1}">
+              <a14:hiddenEffects xmlns:a14="http://schemas.microsoft.com/office/drawing/2010/main">
+                <a:effectLst>
+                  <a:outerShdw dist="35921" dir="2700000" algn="ctr" rotWithShape="0">
+                    <a:schemeClr val="bg2"/>
+                  </a:outerShdw>
+                </a:effectLst>
+              </a14:hiddenEffects>
+            </a:ext>
+          </a:extLst>
+        </p:spPr>
+        <p:txBody>
+          <a:bodyPr wrap="none" anchor="ctr"/>
+          <a:lstStyle/>
+          <a:p>
+            <a:endParaRPr lang="en-US"/>
+          </a:p>
+        </p:txBody>
+      </p:sp>
+      <p:sp>
+        <p:nvSpPr>
+          <p:cNvPr id="15" name="Text Box 22"/>
+          <p:cNvSpPr txBox="1">
+            <a:spLocks noChangeArrowheads="1"/>
+          </p:cNvSpPr>
+          <p:nvPr/>
+        </p:nvSpPr>
+        <p:spPr bwMode="auto">
+          <a:xfrm>
+            <a:off x="5153025" y="3977481"/>
+            <a:ext cx="409575" cy="369888"/>
+          </a:xfrm>
+          <a:prstGeom prst="rect">
+            <a:avLst/>
+          </a:prstGeom>
+          <a:noFill/>
+          <a:ln>
+            <a:noFill/>
+          </a:ln>
+          <a:effectLst/>
+          <a:extLst>
+            <a:ext uri="{909E8E84-426E-40DD-AFC4-6F175D3DCCD1}">
+              <a14:hiddenFill xmlns:a14="http://schemas.microsoft.com/office/drawing/2010/main">
+                <a:solidFill>
+                  <a:schemeClr val="accent1"/>
+                </a:solidFill>
+              </a14:hiddenFill>
+            </a:ext>
+            <a:ext uri="{91240B29-F687-4F45-9708-019B960494DF}">
+              <a14:hiddenLine xmlns:a14="http://schemas.microsoft.com/office/drawing/2010/main" w="9525">
+                <a:solidFill>
+                  <a:schemeClr val="tx1"/>
+                </a:solidFill>
+                <a:miter lim="800000"/>
+                <a:headEnd/>
+                <a:tailEnd/>
+              </a14:hiddenLine>
+            </a:ext>
+            <a:ext uri="{AF507438-7753-43E0-B8FC-AC1667EBCBE1}">
+              <a14:hiddenEffects xmlns:a14="http://schemas.microsoft.com/office/drawing/2010/main">
+                <a:effectLst>
+                  <a:outerShdw dist="35921" dir="2700000" algn="ctr" rotWithShape="0">
+                    <a:schemeClr val="bg2"/>
+                  </a:outerShdw>
+                </a:effectLst>
+              </a14:hiddenEffects>
+            </a:ext>
+          </a:extLst>
+        </p:spPr>
+        <p:txBody>
+          <a:bodyPr wrap="none">
+            <a:spAutoFit/>
+          </a:bodyPr>
+          <a:lstStyle/>
+          <a:p>
+            <a:pPr algn="l"/>
+            <a:r>
+              <a:rPr lang="en-US" altLang="en-US" sz="1800" b="1" dirty="0" smtClean="0"/>
+              <a:t>D</a:t>
+            </a:r>
+            <a:r>
+              <a:rPr lang="en-US" altLang="en-US" sz="1800" b="1" baseline="-25000" dirty="0" smtClean="0"/>
+              <a:t>1</a:t>
+            </a:r>
+            <a:endParaRPr lang="en-US" altLang="en-US" sz="2400" dirty="0"/>
+          </a:p>
+        </p:txBody>
+      </p:sp>
+      <p:sp>
+        <p:nvSpPr>
+          <p:cNvPr id="18" name="Line 7"/>
+          <p:cNvSpPr>
+            <a:spLocks noChangeShapeType="1"/>
+          </p:cNvSpPr>
+          <p:nvPr/>
+        </p:nvSpPr>
+        <p:spPr bwMode="auto">
+          <a:xfrm flipV="1">
+            <a:off x="2362201" y="5181598"/>
+            <a:ext cx="152400" cy="1066801"/>
+          </a:xfrm>
+          <a:prstGeom prst="line">
+            <a:avLst/>
+          </a:prstGeom>
+          <a:noFill/>
+          <a:ln w="38100">
+            <a:solidFill>
+              <a:schemeClr val="tx1"/>
+            </a:solidFill>
+            <a:prstDash val="dashDot"/>
+            <a:round/>
+            <a:headEnd/>
+            <a:tailEnd type="triangle" w="med" len="med"/>
+          </a:ln>
+          <a:effectLst/>
+          <a:extLst>
+            <a:ext uri="{909E8E84-426E-40DD-AFC4-6F175D3DCCD1}">
+              <a14:hiddenFill xmlns:a14="http://schemas.microsoft.com/office/drawing/2010/main">
+                <a:noFill/>
+              </a14:hiddenFill>
+            </a:ext>
+            <a:ext uri="{AF507438-7753-43E0-B8FC-AC1667EBCBE1}">
+              <a14:hiddenEffects xmlns:a14="http://schemas.microsoft.com/office/drawing/2010/main">
+                <a:effectLst>
+                  <a:outerShdw dist="35921" dir="2700000" algn="ctr" rotWithShape="0">
+                    <a:schemeClr val="bg2"/>
+                  </a:outerShdw>
+                </a:effectLst>
+              </a14:hiddenEffects>
+            </a:ext>
+          </a:extLst>
+        </p:spPr>
+        <p:txBody>
+          <a:bodyPr wrap="none" anchor="ctr"/>
+          <a:lstStyle/>
+          <a:p>
+            <a:endParaRPr lang="en-US"/>
+          </a:p>
+        </p:txBody>
+      </p:sp>
+      <p:sp>
+        <p:nvSpPr>
+          <p:cNvPr id="19" name="Text Box 14"/>
+          <p:cNvSpPr txBox="1">
+            <a:spLocks noChangeArrowheads="1"/>
+          </p:cNvSpPr>
+          <p:nvPr/>
+        </p:nvSpPr>
+        <p:spPr bwMode="auto">
+          <a:xfrm>
+            <a:off x="2520950" y="4950618"/>
+            <a:ext cx="425450" cy="366713"/>
+          </a:xfrm>
+          <a:prstGeom prst="rect">
+            <a:avLst/>
+          </a:prstGeom>
+          <a:noFill/>
+          <a:ln>
+            <a:noFill/>
+          </a:ln>
+          <a:effectLst/>
+          <a:extLst>
+            <a:ext uri="{909E8E84-426E-40DD-AFC4-6F175D3DCCD1}">
+              <a14:hiddenFill xmlns:a14="http://schemas.microsoft.com/office/drawing/2010/main">
+                <a:solidFill>
+                  <a:schemeClr val="accent1"/>
+                </a:solidFill>
+              </a14:hiddenFill>
+            </a:ext>
+            <a:ext uri="{91240B29-F687-4F45-9708-019B960494DF}">
+              <a14:hiddenLine xmlns:a14="http://schemas.microsoft.com/office/drawing/2010/main" w="9525">
+                <a:solidFill>
+                  <a:schemeClr val="tx1"/>
+                </a:solidFill>
+                <a:miter lim="800000"/>
+                <a:headEnd/>
+                <a:tailEnd/>
+              </a14:hiddenLine>
+            </a:ext>
+            <a:ext uri="{AF507438-7753-43E0-B8FC-AC1667EBCBE1}">
+              <a14:hiddenEffects xmlns:a14="http://schemas.microsoft.com/office/drawing/2010/main">
+                <a:effectLst>
+                  <a:outerShdw dist="35921" dir="2700000" algn="ctr" rotWithShape="0">
+                    <a:schemeClr val="bg2"/>
+                  </a:outerShdw>
+                </a:effectLst>
+              </a14:hiddenEffects>
+            </a:ext>
+          </a:extLst>
+        </p:spPr>
+        <p:txBody>
+          <a:bodyPr wrap="none">
+            <a:spAutoFit/>
+          </a:bodyPr>
+          <a:lstStyle/>
+          <a:p>
+            <a:pPr algn="l"/>
+            <a:r>
+              <a:rPr lang="en-US" altLang="en-US" sz="1800" b="1" dirty="0"/>
+              <a:t>D</a:t>
+            </a:r>
+            <a:r>
+              <a:rPr lang="en-US" altLang="en-US" sz="1800" b="1" baseline="-25000" dirty="0"/>
+              <a:t>2</a:t>
+            </a:r>
+            <a:endParaRPr lang="en-US" altLang="en-US" sz="2400" dirty="0"/>
+          </a:p>
+        </p:txBody>
+      </p:sp>
+      <p:sp>
+        <p:nvSpPr>
+          <p:cNvPr id="28" name="Line 39"/>
+          <p:cNvSpPr>
+            <a:spLocks noChangeShapeType="1"/>
+          </p:cNvSpPr>
+          <p:nvPr/>
+        </p:nvSpPr>
+        <p:spPr bwMode="auto">
+          <a:xfrm flipV="1">
+            <a:off x="2362200" y="5981699"/>
+            <a:ext cx="1143000" cy="266700"/>
+          </a:xfrm>
+          <a:prstGeom prst="line">
+            <a:avLst/>
+          </a:prstGeom>
+          <a:noFill/>
+          <a:ln w="38100">
+            <a:solidFill>
+              <a:srgbClr val="FF0000"/>
+            </a:solidFill>
+            <a:prstDash val="dashDot"/>
+            <a:round/>
+            <a:headEnd/>
+            <a:tailEnd type="triangle" w="med" len="med"/>
+          </a:ln>
+          <a:effectLst/>
+          <a:extLst>
+            <a:ext uri="{909E8E84-426E-40DD-AFC4-6F175D3DCCD1}">
+              <a14:hiddenFill xmlns:a14="http://schemas.microsoft.com/office/drawing/2010/main">
+                <a:noFill/>
+              </a14:hiddenFill>
+            </a:ext>
+            <a:ext uri="{AF507438-7753-43E0-B8FC-AC1667EBCBE1}">
+              <a14:hiddenEffects xmlns:a14="http://schemas.microsoft.com/office/drawing/2010/main">
+                <a:effectLst>
+                  <a:outerShdw dist="35921" dir="2700000" algn="ctr" rotWithShape="0">
+                    <a:schemeClr val="bg2"/>
+                  </a:outerShdw>
+                </a:effectLst>
+              </a14:hiddenEffects>
+            </a:ext>
+          </a:extLst>
+        </p:spPr>
+        <p:txBody>
+          <a:bodyPr wrap="none" anchor="ctr"/>
+          <a:lstStyle/>
+          <a:p>
+            <a:endParaRPr lang="en-US"/>
+          </a:p>
+        </p:txBody>
+      </p:sp>
+      <p:sp>
+        <p:nvSpPr>
+          <p:cNvPr id="29" name="Rectangle 40"/>
+          <p:cNvSpPr>
+            <a:spLocks noChangeArrowheads="1"/>
+          </p:cNvSpPr>
+          <p:nvPr/>
+        </p:nvSpPr>
+        <p:spPr bwMode="auto">
+          <a:xfrm>
+            <a:off x="3505200" y="5815010"/>
+            <a:ext cx="806450" cy="366713"/>
+          </a:xfrm>
+          <a:prstGeom prst="rect">
+            <a:avLst/>
+          </a:prstGeom>
+          <a:noFill/>
+          <a:ln>
+            <a:noFill/>
+          </a:ln>
+          <a:effectLst/>
+          <a:extLst>
+            <a:ext uri="{909E8E84-426E-40DD-AFC4-6F175D3DCCD1}">
+              <a14:hiddenFill xmlns:a14="http://schemas.microsoft.com/office/drawing/2010/main">
+                <a:solidFill>
+                  <a:schemeClr val="accent1"/>
+                </a:solidFill>
+              </a14:hiddenFill>
+            </a:ext>
+            <a:ext uri="{91240B29-F687-4F45-9708-019B960494DF}">
+              <a14:hiddenLine xmlns:a14="http://schemas.microsoft.com/office/drawing/2010/main" w="9525">
+                <a:solidFill>
+                  <a:schemeClr val="tx1"/>
+                </a:solidFill>
+                <a:miter lim="800000"/>
+                <a:headEnd/>
+                <a:tailEnd/>
+              </a14:hiddenLine>
+            </a:ext>
+            <a:ext uri="{AF507438-7753-43E0-B8FC-AC1667EBCBE1}">
+              <a14:hiddenEffects xmlns:a14="http://schemas.microsoft.com/office/drawing/2010/main">
+                <a:effectLst>
+                  <a:outerShdw dist="35921" dir="2700000" algn="ctr" rotWithShape="0">
+                    <a:schemeClr val="bg2"/>
+                  </a:outerShdw>
+                </a:effectLst>
+              </a14:hiddenEffects>
+            </a:ext>
+          </a:extLst>
+        </p:spPr>
+        <p:txBody>
+          <a:bodyPr wrap="none">
+            <a:spAutoFit/>
+          </a:bodyPr>
+          <a:lstStyle/>
+          <a:p>
+            <a:r>
+              <a:rPr lang="en-US" altLang="en-US" sz="1800" b="1" dirty="0">
+                <a:solidFill>
+                  <a:srgbClr val="CC0000"/>
+                </a:solidFill>
+              </a:rPr>
+              <a:t>Query</a:t>
+            </a:r>
+            <a:endParaRPr lang="en-US" altLang="en-US" sz="1800" b="1" baseline="-25000" dirty="0">
+              <a:solidFill>
+                <a:srgbClr val="CC0000"/>
+              </a:solidFill>
+            </a:endParaRPr>
+          </a:p>
+        </p:txBody>
+      </p:sp>
+      <p:sp>
+        <p:nvSpPr>
+          <p:cNvPr id="32" name="TextBox 31"/>
+          <p:cNvSpPr txBox="1"/>
+          <p:nvPr/>
+        </p:nvSpPr>
+        <p:spPr>
+          <a:xfrm>
+            <a:off x="5381627" y="3370301"/>
+            <a:ext cx="1981199" cy="369332"/>
+          </a:xfrm>
+          <a:prstGeom prst="rect">
+            <a:avLst/>
+          </a:prstGeom>
+          <a:noFill/>
+        </p:spPr>
+        <p:txBody>
+          <a:bodyPr wrap="square" rtlCol="0">
+            <a:spAutoFit/>
+          </a:bodyPr>
+          <a:lstStyle/>
+          <a:p>
+            <a:r>
+              <a:rPr lang="en-US" b="1" dirty="0" smtClean="0">
+                <a:solidFill>
+                  <a:srgbClr val="FF0000"/>
+                </a:solidFill>
+              </a:rPr>
+              <a:t>TF-IDF space</a:t>
+            </a:r>
+            <a:endParaRPr lang="en-US" b="1" dirty="0">
+              <a:solidFill>
+                <a:srgbClr val="FF0000"/>
+              </a:solidFill>
+            </a:endParaRPr>
+          </a:p>
+        </p:txBody>
+      </p:sp>
+      <p:sp>
+        <p:nvSpPr>
+          <p:cNvPr id="33" name="Arc 32"/>
+          <p:cNvSpPr/>
+          <p:nvPr/>
+        </p:nvSpPr>
+        <p:spPr>
+          <a:xfrm>
+            <a:off x="4645026" y="3543300"/>
+            <a:ext cx="1425575" cy="742950"/>
+          </a:xfrm>
+          <a:prstGeom prst="arc">
+            <a:avLst>
+              <a:gd name="adj1" fmla="val 10990793"/>
+              <a:gd name="adj2" fmla="val 16848341"/>
+            </a:avLst>
+          </a:prstGeom>
+          <a:ln w="19050">
+            <a:solidFill>
+              <a:srgbClr val="FF0000"/>
+            </a:solidFill>
+            <a:headEnd type="arrow" w="med" len="med"/>
+            <a:tailEnd type="none" w="med" len="med"/>
+          </a:ln>
+        </p:spPr>
+        <p:style>
+          <a:lnRef idx="1">
+            <a:schemeClr val="accent1"/>
+          </a:lnRef>
+          <a:fillRef idx="0">
+            <a:schemeClr val="accent1"/>
+          </a:fillRef>
+          <a:effectRef idx="0">
+            <a:schemeClr val="accent1"/>
+          </a:effectRef>
+          <a:fontRef idx="minor">
+            <a:schemeClr val="tx1"/>
+          </a:fontRef>
+        </p:style>
+        <p:txBody>
+          <a:bodyPr rtlCol="0" anchor="ctr"/>
+          <a:lstStyle/>
+          <a:p>
+            <a:pPr algn="ctr"/>
+            <a:endParaRPr lang="en-US"/>
+          </a:p>
+        </p:txBody>
+      </p:sp>
+      <p:sp>
+        <p:nvSpPr>
+          <p:cNvPr id="34" name="Arc 33"/>
+          <p:cNvSpPr/>
+          <p:nvPr/>
+        </p:nvSpPr>
+        <p:spPr>
+          <a:xfrm rot="1304632">
+            <a:off x="2869101" y="5750565"/>
+            <a:ext cx="418305" cy="433389"/>
+          </a:xfrm>
+          <a:prstGeom prst="arc">
+            <a:avLst/>
+          </a:prstGeom>
+          <a:ln w="28575"/>
+        </p:spPr>
+        <p:style>
+          <a:lnRef idx="1">
+            <a:schemeClr val="accent1"/>
+          </a:lnRef>
+          <a:fillRef idx="0">
+            <a:schemeClr val="accent1"/>
+          </a:fillRef>
+          <a:effectRef idx="0">
+            <a:schemeClr val="accent1"/>
+          </a:effectRef>
+          <a:fontRef idx="minor">
+            <a:schemeClr val="tx1"/>
+          </a:fontRef>
+        </p:style>
+        <p:txBody>
+          <a:bodyPr rtlCol="0" anchor="ctr"/>
+          <a:lstStyle/>
+          <a:p>
+            <a:pPr algn="ctr"/>
+            <a:endParaRPr lang="en-US"/>
+          </a:p>
+        </p:txBody>
+      </p:sp>
+      <p:sp>
+        <p:nvSpPr>
+          <p:cNvPr id="35" name="TextBox 34"/>
+          <p:cNvSpPr txBox="1"/>
+          <p:nvPr/>
+        </p:nvSpPr>
+        <p:spPr>
+          <a:xfrm>
+            <a:off x="5659438" y="4192865"/>
+            <a:ext cx="2235200" cy="369332"/>
+          </a:xfrm>
+          <a:prstGeom prst="rect">
+            <a:avLst/>
+          </a:prstGeom>
+          <a:noFill/>
+        </p:spPr>
+        <p:txBody>
+          <a:bodyPr wrap="square" rtlCol="0">
+            <a:spAutoFit/>
+          </a:bodyPr>
+          <a:lstStyle/>
+          <a:p>
+            <a:r>
+              <a:rPr lang="en-US" dirty="0" smtClean="0">
+                <a:solidFill>
+                  <a:schemeClr val="accent5">
+                    <a:lumMod val="50000"/>
+                  </a:schemeClr>
+                </a:solidFill>
+              </a:rPr>
+              <a:t>The choice of angle</a:t>
+            </a:r>
+            <a:endParaRPr lang="en-US" dirty="0">
+              <a:solidFill>
+                <a:schemeClr val="accent5">
+                  <a:lumMod val="50000"/>
+                </a:schemeClr>
+              </a:solidFill>
+            </a:endParaRPr>
+          </a:p>
+        </p:txBody>
+      </p:sp>
+      <p:sp>
+        <p:nvSpPr>
+          <p:cNvPr id="36" name="TextBox 35"/>
+          <p:cNvSpPr txBox="1"/>
+          <p:nvPr/>
+        </p:nvSpPr>
+        <p:spPr>
+          <a:xfrm>
+            <a:off x="2438401" y="4395461"/>
+            <a:ext cx="2235200" cy="646331"/>
+          </a:xfrm>
+          <a:prstGeom prst="rect">
+            <a:avLst/>
+          </a:prstGeom>
+          <a:noFill/>
+        </p:spPr>
+        <p:txBody>
+          <a:bodyPr wrap="square" rtlCol="0">
+            <a:spAutoFit/>
+          </a:bodyPr>
+          <a:lstStyle/>
+          <a:p>
+            <a:r>
+              <a:rPr lang="en-US" dirty="0" smtClean="0">
+                <a:solidFill>
+                  <a:srgbClr val="7030A0"/>
+                </a:solidFill>
+              </a:rPr>
+              <a:t>The choice </a:t>
+            </a:r>
+            <a:r>
+              <a:rPr lang="en-US" dirty="0">
+                <a:solidFill>
+                  <a:srgbClr val="7030A0"/>
+                </a:solidFill>
+              </a:rPr>
+              <a:t>of Euclidean distance</a:t>
+            </a:r>
+          </a:p>
+        </p:txBody>
+      </p:sp>
+      <p:sp>
+        <p:nvSpPr>
+          <p:cNvPr id="4" name="Date Placeholder 3"/>
+          <p:cNvSpPr>
+            <a:spLocks noGrp="1"/>
+          </p:cNvSpPr>
+          <p:nvPr>
+            <p:ph type="dt" sz="half" idx="10"/>
+          </p:nvPr>
+        </p:nvSpPr>
+        <p:spPr/>
+        <p:txBody>
+          <a:bodyPr/>
+          <a:lstStyle/>
+          <a:p>
+            <a:r>
+              <a:rPr lang="en-US" smtClean="0"/>
+              <a:t>CS@UVa</a:t>
+            </a:r>
+            <a:endParaRPr lang="en-US"/>
+          </a:p>
+        </p:txBody>
+      </p:sp>
+      <p:sp>
+        <p:nvSpPr>
+          <p:cNvPr id="5" name="Footer Placeholder 4"/>
+          <p:cNvSpPr>
+            <a:spLocks noGrp="1"/>
+          </p:cNvSpPr>
+          <p:nvPr>
+            <p:ph type="ftr" sz="quarter" idx="11"/>
+          </p:nvPr>
+        </p:nvSpPr>
+        <p:spPr/>
+        <p:txBody>
+          <a:bodyPr/>
+          <a:lstStyle/>
+          <a:p>
+            <a:r>
+              <a:rPr lang="en-US" smtClean="0"/>
+              <a:t>CS 4501: Information Retrieval</a:t>
+            </a:r>
+            <a:endParaRPr lang="en-US"/>
+          </a:p>
+        </p:txBody>
+      </p:sp>
+      <p:sp>
+        <p:nvSpPr>
+          <p:cNvPr id="6" name="Slide Number Placeholder 5"/>
+          <p:cNvSpPr>
+            <a:spLocks noGrp="1"/>
+          </p:cNvSpPr>
+          <p:nvPr>
+            <p:ph type="sldNum" sz="quarter" idx="12"/>
+          </p:nvPr>
+        </p:nvSpPr>
+        <p:spPr/>
+        <p:txBody>
+          <a:bodyPr/>
+          <a:lstStyle/>
+          <a:p>
+            <a:fld id="{2A9F8BE9-47C8-4C45-B88F-68A848B0515F}" type="slidenum">
+              <a:rPr lang="en-US" smtClean="0"/>
+              <a:t>30</a:t>
+            </a:fld>
+            <a:endParaRPr lang="en-US"/>
+          </a:p>
+        </p:txBody>
+      </p:sp>
+    </p:spTree>
+    <p:extLst>
+      <p:ext uri="{BB962C8B-B14F-4D97-AF65-F5344CB8AC3E}">
+        <p14:creationId xmlns:p14="http://schemas.microsoft.com/office/powerpoint/2010/main" val="265862850"/>
+      </p:ext>
+    </p:extLst>
+  </p:cSld>
+  <p:clrMapOvr>
+    <a:masterClrMapping/>
+  </p:clrMapOvr>
+  <p:timing>
+    <p:tnLst>
+      <p:par>
+        <p:cTn id="1" dur="indefinite" restart="never" nodeType="tmRoot">
+          <p:childTnLst>
+            <p:seq concurrent="1" nextAc="seek">
+              <p:cTn id="2" dur="indefinite" nodeType="mainSeq">
+                <p:childTnLst>
+                  <p:par>
+                    <p:cTn id="3" fill="hold">
+                      <p:stCondLst>
+                        <p:cond delay="indefinite"/>
+                      </p:stCondLst>
+                      <p:childTnLst>
+                        <p:par>
+                          <p:cTn id="4" fill="hold">
+                            <p:stCondLst>
+                              <p:cond delay="0"/>
+                            </p:stCondLst>
+                            <p:childTnLst>
+                              <p:par>
+                                <p:cTn id="5" presetID="1" presetClass="entr" presetSubtype="0" fill="hold" grpId="0" nodeType="clickEffect">
+                                  <p:stCondLst>
+                                    <p:cond delay="0"/>
+                                  </p:stCondLst>
+                                  <p:childTnLst>
+                                    <p:set>
+                                      <p:cBhvr>
+                                        <p:cTn id="6" dur="1" fill="hold">
+                                          <p:stCondLst>
+                                            <p:cond delay="0"/>
+                                          </p:stCondLst>
+                                        </p:cTn>
+                                        <p:tgtEl>
+                                          <p:spTgt spid="36"/>
+                                        </p:tgtEl>
+                                        <p:attrNameLst>
+                                          <p:attrName>style.visibility</p:attrName>
+                                        </p:attrNameLst>
+                                      </p:cBhvr>
+                                      <p:to>
+                                        <p:strVal val="visible"/>
+                                      </p:to>
+                                    </p:set>
+                                  </p:childTnLst>
+                                </p:cTn>
+                              </p:par>
+                            </p:childTnLst>
+                          </p:cTn>
+                        </p:par>
+                      </p:childTnLst>
+                    </p:cTn>
+                  </p:par>
+                  <p:par>
+                    <p:cTn id="7" fill="hold">
+                      <p:stCondLst>
+                        <p:cond delay="indefinite"/>
+                      </p:stCondLst>
+                      <p:childTnLst>
+                        <p:par>
+                          <p:cTn id="8" fill="hold">
+                            <p:stCondLst>
+                              <p:cond delay="0"/>
+                            </p:stCondLst>
+                            <p:childTnLst>
+                              <p:par>
+                                <p:cTn id="9" presetID="1" presetClass="entr" presetSubtype="0" fill="hold" grpId="0" nodeType="clickEffect">
+                                  <p:stCondLst>
+                                    <p:cond delay="0"/>
+                                  </p:stCondLst>
+                                  <p:childTnLst>
+                                    <p:set>
+                                      <p:cBhvr>
+                                        <p:cTn id="10" dur="1" fill="hold">
+                                          <p:stCondLst>
+                                            <p:cond delay="0"/>
+                                          </p:stCondLst>
+                                        </p:cTn>
+                                        <p:tgtEl>
+                                          <p:spTgt spid="35"/>
+                                        </p:tgtEl>
+                                        <p:attrNameLst>
+                                          <p:attrName>style.visibility</p:attrName>
+                                        </p:attrNameLst>
+                                      </p:cBhvr>
+                                      <p:to>
+                                        <p:strVal val="visible"/>
+                                      </p:to>
+                                    </p:set>
+                                  </p:childTnLst>
+                                </p:cTn>
+                              </p:par>
+                            </p:childTnLst>
+                          </p:cTn>
+                        </p:par>
+                      </p:childTnLst>
+                    </p:cTn>
+                  </p:par>
+                  <p:par>
+                    <p:cTn id="11" fill="hold">
+                      <p:stCondLst>
+                        <p:cond delay="indefinite"/>
+                      </p:stCondLst>
+                      <p:childTnLst>
+                        <p:par>
+                          <p:cTn id="12" fill="hold">
+                            <p:stCondLst>
+                              <p:cond delay="0"/>
+                            </p:stCondLst>
+                            <p:childTnLst>
+                              <p:par>
+                                <p:cTn id="13" presetID="1" presetClass="entr" presetSubtype="0" fill="hold" grpId="0" nodeType="clickEffect">
+                                  <p:stCondLst>
+                                    <p:cond delay="0"/>
+                                  </p:stCondLst>
+                                  <p:childTnLst>
+                                    <p:set>
+                                      <p:cBhvr>
+                                        <p:cTn id="14" dur="1" fill="hold">
+                                          <p:stCondLst>
+                                            <p:cond delay="0"/>
+                                          </p:stCondLst>
+                                        </p:cTn>
+                                        <p:tgtEl>
+                                          <p:spTgt spid="34"/>
+                                        </p:tgtEl>
+                                        <p:attrNameLst>
+                                          <p:attrName>style.visibility</p:attrName>
+                                        </p:attrNameLst>
+                                      </p:cBhvr>
+                                      <p:to>
+                                        <p:strVal val="visible"/>
+                                      </p:to>
+                                    </p:set>
+                                  </p:childTnLst>
+                                </p:cTn>
+                              </p:par>
+                            </p:childTnLst>
+                          </p:cTn>
+                        </p:par>
+                      </p:childTnLst>
+                    </p:cTn>
+                  </p:par>
+                  <p:par>
+                    <p:cTn id="15" fill="hold">
+                      <p:stCondLst>
+                        <p:cond delay="indefinite"/>
+                      </p:stCondLst>
+                      <p:childTnLst>
+                        <p:par>
+                          <p:cTn id="16" fill="hold">
+                            <p:stCondLst>
+                              <p:cond delay="0"/>
+                            </p:stCondLst>
+                            <p:childTnLst>
+                              <p:par>
+                                <p:cTn id="17" presetID="1" presetClass="entr" presetSubtype="0" fill="hold" grpId="0" nodeType="clickEffect">
+                                  <p:stCondLst>
+                                    <p:cond delay="0"/>
+                                  </p:stCondLst>
+                                  <p:childTnLst>
+                                    <p:set>
+                                      <p:cBhvr>
+                                        <p:cTn id="18" dur="1" fill="hold">
+                                          <p:stCondLst>
+                                            <p:cond delay="0"/>
+                                          </p:stCondLst>
+                                        </p:cTn>
+                                        <p:tgtEl>
+                                          <p:spTgt spid="3">
+                                            <p:txEl>
+                                              <p:pRg st="0" end="0"/>
+                                            </p:txEl>
+                                          </p:spTgt>
+                                        </p:tgtEl>
+                                        <p:attrNameLst>
+                                          <p:attrName>style.visibility</p:attrName>
+                                        </p:attrNameLst>
+                                      </p:cBhvr>
+                                      <p:to>
+                                        <p:strVal val="visible"/>
+                                      </p:to>
+                                    </p:set>
+                                  </p:childTnLst>
+                                </p:cTn>
+                              </p:par>
+                              <p:par>
+                                <p:cTn id="19" presetID="1" presetClass="entr" presetSubtype="0" fill="hold" grpId="0" nodeType="withEffect">
+                                  <p:stCondLst>
+                                    <p:cond delay="0"/>
+                                  </p:stCondLst>
+                                  <p:childTnLst>
+                                    <p:set>
+                                      <p:cBhvr>
+                                        <p:cTn id="20" dur="1" fill="hold">
+                                          <p:stCondLst>
+                                            <p:cond delay="0"/>
+                                          </p:stCondLst>
+                                        </p:cTn>
+                                        <p:tgtEl>
+                                          <p:spTgt spid="3">
+                                            <p:txEl>
+                                              <p:pRg st="1" end="1"/>
+                                            </p:txEl>
+                                          </p:spTgt>
+                                        </p:tgtEl>
+                                        <p:attrNameLst>
+                                          <p:attrName>style.visibility</p:attrName>
+                                        </p:attrNameLst>
+                                      </p:cBhvr>
+                                      <p:to>
+                                        <p:strVal val="visible"/>
+                                      </p:to>
+                                    </p:set>
+                                  </p:childTnLst>
+                                </p:cTn>
+                              </p:par>
+                            </p:childTnLst>
+                          </p:cTn>
+                        </p:par>
+                      </p:childTnLst>
+                    </p:cTn>
+                  </p:par>
+                </p:childTnLst>
+              </p:cTn>
+              <p:prevCondLst>
+                <p:cond evt="onPrev" delay="0">
+                  <p:tgtEl>
+                    <p:sldTgt/>
+                  </p:tgtEl>
+                </p:cond>
+              </p:prevCondLst>
+              <p:nextCondLst>
+                <p:cond evt="onNext" delay="0">
+                  <p:tgtEl>
+                    <p:sldTgt/>
+                  </p:tgtEl>
+                </p:cond>
+              </p:nextCondLst>
+            </p:seq>
+          </p:childTnLst>
+        </p:cTn>
+      </p:par>
+    </p:tnLst>
+    <p:bldLst>
+      <p:bldP spid="3" grpId="0" build="p"/>
+      <p:bldP spid="34" grpId="0" animBg="1"/>
+      <p:bldP spid="35" grpId="0"/>
+      <p:bldP spid="36" grpId="0"/>
+    </p:bldLst>
+  </p:timing>
+</p:sld>
+</file>
+
+<file path=ppt/slides/slide31.xml><?xml version="1.0" encoding="utf-8"?>
 <p:sld xmlns:a="http://schemas.openxmlformats.org/drawingml/2006/main" xmlns:r="http://schemas.openxmlformats.org/officeDocument/2006/relationships" xmlns:p="http://schemas.openxmlformats.org/presentationml/2006/main">
   <p:cSld>
     <p:spTree>
@@ -25430,7 +25941,7 @@
           <a:p>
             <a:r>
               <a:rPr lang="en-US" smtClean="0"/>
-              <a:t>CS 6501: Information Retrieval</a:t>
+              <a:t>CS 4501: Information Retrieval</a:t>
             </a:r>
             <a:endParaRPr lang="en-US"/>
           </a:p>
@@ -25453,7 +25964,7 @@
           <a:p>
             <a:fld id="{2A9F8BE9-47C8-4C45-B88F-68A848B0515F}" type="slidenum">
               <a:rPr lang="en-US" smtClean="0"/>
-              <a:t>30</a:t>
+              <a:t>31</a:t>
             </a:fld>
             <a:endParaRPr lang="en-US"/>
           </a:p>
@@ -25479,7 +25990,7 @@
 </p:sld>
 </file>
 
-<file path=ppt/slides/slide31.xml><?xml version="1.0" encoding="utf-8"?>
+<file path=ppt/slides/slide32.xml><?xml version="1.0" encoding="utf-8"?>
 <p:sld xmlns:a="http://schemas.openxmlformats.org/drawingml/2006/main" xmlns:r="http://schemas.openxmlformats.org/officeDocument/2006/relationships" xmlns:p="http://schemas.openxmlformats.org/presentationml/2006/main">
   <p:cSld>
     <p:spTree>
@@ -25521,8 +26032,8 @@
           </a:p>
         </p:txBody>
       </p:sp>
-      <mc:AlternateContent xmlns:mc="http://schemas.openxmlformats.org/markup-compatibility/2006" xmlns:a14="http://schemas.microsoft.com/office/drawing/2010/main">
-        <mc:Choice Requires="a14">
+      <mc:AlternateContent xmlns:mc="http://schemas.openxmlformats.org/markup-compatibility/2006">
+        <mc:Choice xmlns:a14="http://schemas.microsoft.com/office/drawing/2010/main" Requires="a14">
           <p:sp>
             <p:nvSpPr>
               <p:cNvPr id="3" name="Content Placeholder 2"/>
@@ -25854,7 +26365,15 @@
                 </a14:m>
                 <a:r>
                   <a:rPr lang="en-US" dirty="0" smtClean="0"/>
-                  <a:t> can be done in index time</a:t>
+                  <a:t> can be done in </a:t>
+                </a:r>
+                <a:r>
+                  <a:rPr lang="en-US" dirty="0" smtClean="0"/>
+                  <a:t>indexing </a:t>
+                </a:r>
+                <a:r>
+                  <a:rPr lang="en-US" dirty="0" smtClean="0"/>
+                  <a:t>time</a:t>
                 </a:r>
               </a:p>
               <a:p>
@@ -25914,7 +26433,7 @@
             </p:txBody>
           </p:sp>
         </mc:Choice>
-        <mc:Fallback xmlns="">
+        <mc:Fallback>
           <p:sp>
             <p:nvSpPr>
               <p:cNvPr id="3" name="Content Placeholder 2"/>
@@ -25988,7 +26507,7 @@
           <a:p>
             <a:r>
               <a:rPr lang="en-US" smtClean="0"/>
-              <a:t>CS 6501: Information Retrieval</a:t>
+              <a:t>CS 4501: Information Retrieval</a:t>
             </a:r>
             <a:endParaRPr lang="en-US"/>
           </a:p>
@@ -26011,7 +26530,7 @@
           <a:p>
             <a:fld id="{2A9F8BE9-47C8-4C45-B88F-68A848B0515F}" type="slidenum">
               <a:rPr lang="en-US" smtClean="0"/>
-              <a:t>31</a:t>
+              <a:t>32</a:t>
             </a:fld>
             <a:endParaRPr lang="en-US"/>
           </a:p>
@@ -26037,7 +26556,7 @@
 </p:sld>
 </file>
 
-<file path=ppt/slides/slide32.xml><?xml version="1.0" encoding="utf-8"?>
+<file path=ppt/slides/slide33.xml><?xml version="1.0" encoding="utf-8"?>
 <p:sld xmlns:a="http://schemas.openxmlformats.org/drawingml/2006/main" xmlns:r="http://schemas.openxmlformats.org/officeDocument/2006/relationships" xmlns:p="http://schemas.openxmlformats.org/presentationml/2006/main">
   <p:cSld>
     <p:spTree>
@@ -26150,7 +26669,7 @@
           <a:p>
             <a:r>
               <a:rPr lang="en-US" smtClean="0"/>
-              <a:t>CS 6501: Information Retrieval</a:t>
+              <a:t>CS 4501: Information Retrieval</a:t>
             </a:r>
             <a:endParaRPr lang="en-US"/>
           </a:p>
@@ -27972,7 +28491,7 @@
           <a:p>
             <a:fld id="{2A9F8BE9-47C8-4C45-B88F-68A848B0515F}" type="slidenum">
               <a:rPr lang="en-US" smtClean="0"/>
-              <a:t>32</a:t>
+              <a:t>33</a:t>
             </a:fld>
             <a:endParaRPr lang="en-US"/>
           </a:p>
@@ -28066,7 +28585,7 @@
 </p:sld>
 </file>
 
-<file path=ppt/slides/slide33.xml><?xml version="1.0" encoding="utf-8"?>
+<file path=ppt/slides/slide34.xml><?xml version="1.0" encoding="utf-8"?>
 <p:sld xmlns:a="http://schemas.openxmlformats.org/drawingml/2006/main" xmlns:r="http://schemas.openxmlformats.org/officeDocument/2006/relationships" xmlns:p="http://schemas.openxmlformats.org/presentationml/2006/main">
   <p:cSld>
     <p:spTree>
@@ -28152,13 +28671,7 @@
               <a:rPr lang="en-US" altLang="en-US" dirty="0" smtClean="0">
                 <a:cs typeface="Arial" charset="0"/>
               </a:rPr>
-              <a:t>Well-studied/Mostly </a:t>
-            </a:r>
-            <a:r>
-              <a:rPr lang="en-US" altLang="en-US" dirty="0" smtClean="0">
-                <a:cs typeface="Arial" charset="0"/>
-              </a:rPr>
-              <a:t>evaluated</a:t>
+              <a:t>Well-studied/Mostly evaluated</a:t>
             </a:r>
           </a:p>
           <a:p>
@@ -28240,7 +28753,7 @@
           <a:p>
             <a:r>
               <a:rPr lang="en-US" smtClean="0"/>
-              <a:t>CS 6501: Information Retrieval</a:t>
+              <a:t>CS 4501: Information Retrieval</a:t>
             </a:r>
             <a:endParaRPr lang="en-US"/>
           </a:p>
@@ -28263,7 +28776,7 @@
           <a:p>
             <a:fld id="{2A9F8BE9-47C8-4C45-B88F-68A848B0515F}" type="slidenum">
               <a:rPr lang="en-US" smtClean="0"/>
-              <a:t>33</a:t>
+              <a:t>34</a:t>
             </a:fld>
             <a:endParaRPr lang="en-US"/>
           </a:p>
@@ -28361,7 +28874,7 @@
 </p:sld>
 </file>
 
-<file path=ppt/slides/slide34.xml><?xml version="1.0" encoding="utf-8"?>
+<file path=ppt/slides/slide35.xml><?xml version="1.0" encoding="utf-8"?>
 <p:sld xmlns:a="http://schemas.openxmlformats.org/drawingml/2006/main" xmlns:r="http://schemas.openxmlformats.org/officeDocument/2006/relationships" xmlns:p="http://schemas.openxmlformats.org/presentationml/2006/main">
   <p:cSld>
     <p:spTree>
@@ -28508,7 +29021,7 @@
           <a:p>
             <a:r>
               <a:rPr lang="en-US" smtClean="0"/>
-              <a:t>CS 6501: Information Retrieval</a:t>
+              <a:t>CS 4501: Information Retrieval</a:t>
             </a:r>
             <a:endParaRPr lang="en-US"/>
           </a:p>
@@ -28531,7 +29044,7 @@
           <a:p>
             <a:fld id="{2A9F8BE9-47C8-4C45-B88F-68A848B0515F}" type="slidenum">
               <a:rPr lang="en-US" smtClean="0"/>
-              <a:t>34</a:t>
+              <a:t>35</a:t>
             </a:fld>
             <a:endParaRPr lang="en-US"/>
           </a:p>
@@ -28557,7 +29070,7 @@
 </p:sld>
 </file>
 
-<file path=ppt/slides/slide35.xml><?xml version="1.0" encoding="utf-8"?>
+<file path=ppt/slides/slide36.xml><?xml version="1.0" encoding="utf-8"?>
 <p:sld xmlns:a="http://schemas.openxmlformats.org/drawingml/2006/main" xmlns:r="http://schemas.openxmlformats.org/officeDocument/2006/relationships" xmlns:p="http://schemas.openxmlformats.org/presentationml/2006/main">
   <p:cSld>
     <p:spTree>
@@ -28710,7 +29223,7 @@
           <a:p>
             <a:r>
               <a:rPr lang="en-US" smtClean="0"/>
-              <a:t>CS 6501: Information Retrieval</a:t>
+              <a:t>CS 4501: Information Retrieval</a:t>
             </a:r>
             <a:endParaRPr lang="en-US"/>
           </a:p>
@@ -28733,7 +29246,7 @@
           <a:p>
             <a:fld id="{2A9F8BE9-47C8-4C45-B88F-68A848B0515F}" type="slidenum">
               <a:rPr lang="en-US" smtClean="0"/>
-              <a:t>35</a:t>
+              <a:t>36</a:t>
             </a:fld>
             <a:endParaRPr lang="en-US"/>
           </a:p>
@@ -28743,6 +29256,220 @@
     <p:extLst>
       <p:ext uri="{BB962C8B-B14F-4D97-AF65-F5344CB8AC3E}">
         <p14:creationId xmlns:p14="http://schemas.microsoft.com/office/powerpoint/2010/main" val="1766656247"/>
+      </p:ext>
+    </p:extLst>
+  </p:cSld>
+  <p:clrMapOvr>
+    <a:masterClrMapping/>
+  </p:clrMapOvr>
+  <p:timing>
+    <p:tnLst>
+      <p:par>
+        <p:cTn id="1" dur="indefinite" restart="never" nodeType="tmRoot"/>
+      </p:par>
+    </p:tnLst>
+  </p:timing>
+</p:sld>
+</file>
+
+<file path=ppt/slides/slide37.xml><?xml version="1.0" encoding="utf-8"?>
+<p:sld xmlns:a="http://schemas.openxmlformats.org/drawingml/2006/main" xmlns:r="http://schemas.openxmlformats.org/officeDocument/2006/relationships" xmlns:p="http://schemas.openxmlformats.org/presentationml/2006/main">
+  <p:cSld>
+    <p:spTree>
+      <p:nvGrpSpPr>
+        <p:cNvPr id="1" name=""/>
+        <p:cNvGrpSpPr/>
+        <p:nvPr/>
+      </p:nvGrpSpPr>
+      <p:grpSpPr>
+        <a:xfrm>
+          <a:off x="0" y="0"/>
+          <a:ext cx="0" cy="0"/>
+          <a:chOff x="0" y="0"/>
+          <a:chExt cx="0" cy="0"/>
+        </a:xfrm>
+      </p:grpSpPr>
+      <p:sp>
+        <p:nvSpPr>
+          <p:cNvPr id="2" name="Title 1"/>
+          <p:cNvSpPr>
+            <a:spLocks noGrp="1"/>
+          </p:cNvSpPr>
+          <p:nvPr>
+            <p:ph type="title"/>
+          </p:nvPr>
+        </p:nvSpPr>
+        <p:spPr/>
+        <p:txBody>
+          <a:bodyPr/>
+          <a:lstStyle/>
+          <a:p>
+            <a:r>
+              <a:rPr lang="en-US" dirty="0" smtClean="0"/>
+              <a:t>Today’s reading</a:t>
+            </a:r>
+            <a:endParaRPr lang="en-US" dirty="0"/>
+          </a:p>
+        </p:txBody>
+      </p:sp>
+      <p:sp>
+        <p:nvSpPr>
+          <p:cNvPr id="3" name="Content Placeholder 2"/>
+          <p:cNvSpPr>
+            <a:spLocks noGrp="1"/>
+          </p:cNvSpPr>
+          <p:nvPr>
+            <p:ph idx="1"/>
+          </p:nvPr>
+        </p:nvSpPr>
+        <p:spPr/>
+        <p:txBody>
+          <a:bodyPr>
+            <a:normAutofit lnSpcReduction="10000"/>
+          </a:bodyPr>
+          <a:lstStyle/>
+          <a:p>
+            <a:r>
+              <a:rPr lang="en-US" dirty="0" smtClean="0"/>
+              <a:t>Chapter 1: Boolean </a:t>
+            </a:r>
+            <a:r>
+              <a:rPr lang="en-US" dirty="0"/>
+              <a:t>retrieval</a:t>
+            </a:r>
+          </a:p>
+          <a:p>
+            <a:pPr lvl="1"/>
+            <a:r>
+              <a:rPr lang="en-US" dirty="0"/>
+              <a:t>1.3 Processing Boolean queries</a:t>
+            </a:r>
+          </a:p>
+          <a:p>
+            <a:pPr lvl="1"/>
+            <a:r>
+              <a:rPr lang="en-US" dirty="0"/>
+              <a:t>1.4 The extended Boolean model versus ranked retrieval</a:t>
+            </a:r>
+          </a:p>
+          <a:p>
+            <a:r>
+              <a:rPr lang="en-US" dirty="0"/>
+              <a:t>Chapter </a:t>
+            </a:r>
+            <a:r>
+              <a:rPr lang="en-US" dirty="0" smtClean="0"/>
+              <a:t>6: Scoring, </a:t>
+            </a:r>
+            <a:r>
+              <a:rPr lang="en-US" dirty="0"/>
+              <a:t>term weighting and the vector space model</a:t>
+            </a:r>
+          </a:p>
+          <a:p>
+            <a:pPr lvl="1"/>
+            <a:r>
+              <a:rPr lang="en-US" dirty="0"/>
+              <a:t>6.2 Term frequency and weighting</a:t>
+            </a:r>
+          </a:p>
+          <a:p>
+            <a:pPr lvl="1"/>
+            <a:r>
+              <a:rPr lang="en-US" dirty="0"/>
+              <a:t>6.3 The vector space model for scoring</a:t>
+            </a:r>
+          </a:p>
+          <a:p>
+            <a:pPr lvl="1"/>
+            <a:r>
+              <a:rPr lang="en-US" dirty="0"/>
+              <a:t>6.4 Variant </a:t>
+            </a:r>
+            <a:r>
+              <a:rPr lang="en-US" dirty="0" err="1"/>
+              <a:t>tf-idf</a:t>
+            </a:r>
+            <a:r>
+              <a:rPr lang="en-US" dirty="0"/>
+              <a:t> functions</a:t>
+            </a:r>
+          </a:p>
+        </p:txBody>
+      </p:sp>
+      <p:sp>
+        <p:nvSpPr>
+          <p:cNvPr id="4" name="Date Placeholder 3"/>
+          <p:cNvSpPr>
+            <a:spLocks noGrp="1"/>
+          </p:cNvSpPr>
+          <p:nvPr>
+            <p:ph type="dt" sz="half" idx="10"/>
+          </p:nvPr>
+        </p:nvSpPr>
+        <p:spPr/>
+        <p:txBody>
+          <a:bodyPr/>
+          <a:lstStyle/>
+          <a:p>
+            <a:r>
+              <a:rPr lang="en-US" smtClean="0"/>
+              <a:t>CS@UVa</a:t>
+            </a:r>
+            <a:endParaRPr lang="en-US"/>
+          </a:p>
+        </p:txBody>
+      </p:sp>
+      <p:sp>
+        <p:nvSpPr>
+          <p:cNvPr id="5" name="Footer Placeholder 4"/>
+          <p:cNvSpPr>
+            <a:spLocks noGrp="1"/>
+          </p:cNvSpPr>
+          <p:nvPr>
+            <p:ph type="ftr" sz="quarter" idx="11"/>
+          </p:nvPr>
+        </p:nvSpPr>
+        <p:spPr/>
+        <p:txBody>
+          <a:bodyPr/>
+          <a:lstStyle/>
+          <a:p>
+            <a:r>
+              <a:rPr lang="en-US" smtClean="0"/>
+              <a:t>CS 4501: Information Retrieval</a:t>
+            </a:r>
+            <a:endParaRPr lang="en-US"/>
+          </a:p>
+        </p:txBody>
+      </p:sp>
+      <p:sp>
+        <p:nvSpPr>
+          <p:cNvPr id="6" name="Slide Number Placeholder 5"/>
+          <p:cNvSpPr>
+            <a:spLocks noGrp="1"/>
+          </p:cNvSpPr>
+          <p:nvPr>
+            <p:ph type="sldNum" sz="quarter" idx="12"/>
+          </p:nvPr>
+        </p:nvSpPr>
+        <p:spPr/>
+        <p:txBody>
+          <a:bodyPr/>
+          <a:lstStyle/>
+          <a:p>
+            <a:fld id="{2A9F8BE9-47C8-4C45-B88F-68A848B0515F}" type="slidenum">
+              <a:rPr lang="en-US" smtClean="0"/>
+              <a:t>37</a:t>
+            </a:fld>
+            <a:endParaRPr lang="en-US"/>
+          </a:p>
+        </p:txBody>
+      </p:sp>
+    </p:spTree>
+    <p:extLst>
+      <p:ext uri="{BB962C8B-B14F-4D97-AF65-F5344CB8AC3E}">
+        <p14:creationId xmlns:p14="http://schemas.microsoft.com/office/powerpoint/2010/main" val="3399988162"/>
       </p:ext>
     </p:extLst>
   </p:cSld>
@@ -32345,7 +33072,7 @@
           <a:p>
             <a:r>
               <a:rPr lang="en-US" smtClean="0"/>
-              <a:t>CS 6501: Information Retrieval</a:t>
+              <a:t>CS 4501: Information Retrieval</a:t>
             </a:r>
             <a:endParaRPr lang="en-US"/>
           </a:p>
@@ -32475,8 +33202,17 @@
               <a:rPr lang="en-US" altLang="en-US" dirty="0" smtClean="0">
                 <a:cs typeface="Arial" charset="0"/>
               </a:rPr>
-              <a:t>“Over-constrained” query (terms are too specific): no relevant documents found</a:t>
-            </a:r>
+              <a:t>“Over-constrained” query (terms are too specific): no relevant documents </a:t>
+            </a:r>
+            <a:r>
+              <a:rPr lang="en-US" altLang="en-US" dirty="0" smtClean="0">
+                <a:cs typeface="Arial" charset="0"/>
+              </a:rPr>
+              <a:t>can be found</a:t>
+            </a:r>
+            <a:endParaRPr lang="en-US" altLang="en-US" dirty="0" smtClean="0">
+              <a:cs typeface="Arial" charset="0"/>
+            </a:endParaRPr>
           </a:p>
           <a:p>
             <a:pPr lvl="1"/>
@@ -32519,7 +33255,19 @@
               <a:rPr lang="en-US" altLang="en-US" dirty="0" smtClean="0">
                 <a:cs typeface="Arial" charset="0"/>
               </a:rPr>
-              <a:t>All relevant documents are not equally relevant</a:t>
+              <a:t>All relevant documents are </a:t>
+            </a:r>
+            <a:r>
+              <a:rPr lang="en-US" altLang="en-US" b="1" dirty="0" smtClean="0">
+                <a:cs typeface="Arial" charset="0"/>
+              </a:rPr>
+              <a:t>not equally </a:t>
+            </a:r>
+            <a:r>
+              <a:rPr lang="en-US" altLang="en-US" dirty="0" smtClean="0">
+                <a:cs typeface="Arial" charset="0"/>
+              </a:rPr>
+              <a:t>relevant</a:t>
             </a:r>
           </a:p>
           <a:p>
@@ -32581,7 +33329,7 @@
           <a:p>
             <a:r>
               <a:rPr lang="en-US" smtClean="0"/>
-              <a:t>CS 6501: Information Retrieval</a:t>
+              <a:t>CS 4501: Information Retrieval</a:t>
             </a:r>
             <a:endParaRPr lang="en-US"/>
           </a:p>
@@ -42045,7 +42793,7 @@
           <a:p>
             <a:r>
               <a:rPr lang="en-US" smtClean="0"/>
-              <a:t>CS 6501: Information Retrieval</a:t>
+              <a:t>CS 4501: Information Retrieval</a:t>
             </a:r>
             <a:endParaRPr lang="en-US"/>
           </a:p>
@@ -42419,7 +43167,7 @@
           <a:p>
             <a:r>
               <a:rPr lang="en-US" smtClean="0"/>
-              <a:t>CS 6501: Information Retrieval</a:t>
+              <a:t>CS 4501: Information Retrieval</a:t>
             </a:r>
             <a:endParaRPr lang="en-US"/>
           </a:p>
@@ -42828,7 +43576,7 @@
           <a:p>
             <a:r>
               <a:rPr lang="en-US" smtClean="0"/>
-              <a:t>CS 6501: Information Retrieval</a:t>
+              <a:t>CS 4501: Information Retrieval</a:t>
             </a:r>
             <a:endParaRPr lang="en-US"/>
           </a:p>
@@ -45738,7 +46486,7 @@
           <a:p>
             <a:r>
               <a:rPr lang="en-US" smtClean="0"/>
-              <a:t>CS 6501: Information Retrieval</a:t>
+              <a:t>CS 4501: Information Retrieval</a:t>
             </a:r>
             <a:endParaRPr lang="en-US"/>
           </a:p>
